--- a/basicDataProcess/S2_AtoD.pptx
+++ b/basicDataProcess/S2_AtoD.pptx
@@ -5,19 +5,24 @@
     <p:sldMasterId id="2147483648" r:id="rId1"/>
   </p:sldMasterIdLst>
   <p:notesMasterIdLst>
-    <p:notesMasterId r:id="rId12"/>
+    <p:notesMasterId r:id="rId17"/>
   </p:notesMasterIdLst>
   <p:sldIdLst>
     <p:sldId id="341" r:id="rId2"/>
     <p:sldId id="349" r:id="rId3"/>
     <p:sldId id="360" r:id="rId4"/>
-    <p:sldId id="361" r:id="rId5"/>
-    <p:sldId id="362" r:id="rId6"/>
-    <p:sldId id="363" r:id="rId7"/>
-    <p:sldId id="368" r:id="rId8"/>
-    <p:sldId id="369" r:id="rId9"/>
-    <p:sldId id="365" r:id="rId10"/>
-    <p:sldId id="367" r:id="rId11"/>
+    <p:sldId id="370" r:id="rId5"/>
+    <p:sldId id="361" r:id="rId6"/>
+    <p:sldId id="362" r:id="rId7"/>
+    <p:sldId id="363" r:id="rId8"/>
+    <p:sldId id="368" r:id="rId9"/>
+    <p:sldId id="369" r:id="rId10"/>
+    <p:sldId id="365" r:id="rId11"/>
+    <p:sldId id="367" r:id="rId12"/>
+    <p:sldId id="372" r:id="rId13"/>
+    <p:sldId id="371" r:id="rId14"/>
+    <p:sldId id="374" r:id="rId15"/>
+    <p:sldId id="373" r:id="rId16"/>
   </p:sldIdLst>
   <p:sldSz cx="9144000" cy="6858000" type="screen4x3"/>
   <p:notesSz cx="6858000" cy="9144000"/>
@@ -116,6 +121,22 @@
       </a:defRPr>
     </a:lvl9pPr>
   </p:defaultTextStyle>
+  <p:extLst>
+    <p:ext uri="{EFAFB233-063F-42B5-8137-9DF3F51BA10A}">
+      <p15:sldGuideLst xmlns:p15="http://schemas.microsoft.com/office/powerpoint/2012/main">
+        <p15:guide id="1" orient="horz" pos="2160">
+          <p15:clr>
+            <a:srgbClr val="A4A3A4"/>
+          </p15:clr>
+        </p15:guide>
+        <p15:guide id="2" pos="2880">
+          <p15:clr>
+            <a:srgbClr val="A4A3A4"/>
+          </p15:clr>
+        </p15:guide>
+      </p15:sldGuideLst>
+    </p:ext>
+  </p:extLst>
 </p:presentation>
 </file>
 
@@ -201,7 +222,7 @@
           <a:p>
             <a:fld id="{876705D9-278B-47EE-90AF-2ED1E0D6CB9F}" type="datetimeFigureOut">
               <a:rPr lang="zh-TW" altLang="en-US" smtClean="0"/>
-              <a:t>2018/7/19</a:t>
+              <a:t>2021/10/11</a:t>
             </a:fld>
             <a:endParaRPr lang="zh-TW" altLang="en-US"/>
           </a:p>
@@ -265,38 +286,37 @@
           <a:p>
             <a:pPr lvl="0"/>
             <a:r>
-              <a:rPr lang="zh-TW" altLang="en-US" smtClean="0"/>
+              <a:rPr lang="zh-TW" altLang="en-US"/>
               <a:t>按一下以編輯母片文字樣式</a:t>
             </a:r>
           </a:p>
           <a:p>
             <a:pPr lvl="1"/>
             <a:r>
-              <a:rPr lang="zh-TW" altLang="en-US" smtClean="0"/>
+              <a:rPr lang="zh-TW" altLang="en-US"/>
               <a:t>第二層</a:t>
             </a:r>
           </a:p>
           <a:p>
             <a:pPr lvl="2"/>
             <a:r>
-              <a:rPr lang="zh-TW" altLang="en-US" smtClean="0"/>
+              <a:rPr lang="zh-TW" altLang="en-US"/>
               <a:t>第三層</a:t>
             </a:r>
           </a:p>
           <a:p>
             <a:pPr lvl="3"/>
             <a:r>
-              <a:rPr lang="zh-TW" altLang="en-US" smtClean="0"/>
+              <a:rPr lang="zh-TW" altLang="en-US"/>
               <a:t>第四層</a:t>
             </a:r>
           </a:p>
           <a:p>
             <a:pPr lvl="4"/>
             <a:r>
-              <a:rPr lang="zh-TW" altLang="en-US" smtClean="0"/>
+              <a:rPr lang="zh-TW" altLang="en-US"/>
               <a:t>第五層</a:t>
             </a:r>
-            <a:endParaRPr lang="zh-TW" altLang="en-US"/>
           </a:p>
         </p:txBody>
       </p:sp>
@@ -507,10 +527,9 @@
           <a:lstStyle/>
           <a:p>
             <a:r>
-              <a:rPr lang="zh-TW" altLang="en-US" smtClean="0"/>
+              <a:rPr lang="zh-TW" altLang="en-US"/>
               <a:t>按一下以編輯母片標題樣式</a:t>
             </a:r>
-            <a:endParaRPr lang="zh-TW" altLang="en-US"/>
           </a:p>
         </p:txBody>
       </p:sp>
@@ -626,10 +645,9 @@
           </a:lstStyle>
           <a:p>
             <a:r>
-              <a:rPr lang="zh-TW" altLang="en-US" smtClean="0"/>
+              <a:rPr lang="zh-TW" altLang="en-US"/>
               <a:t>按一下以編輯母片副標題樣式</a:t>
             </a:r>
-            <a:endParaRPr lang="zh-TW" altLang="en-US"/>
           </a:p>
         </p:txBody>
       </p:sp>
@@ -650,7 +668,7 @@
           <a:p>
             <a:fld id="{D58BD384-57F6-4D5A-8CBF-59EC341E346E}" type="datetimeFigureOut">
               <a:rPr lang="zh-TW" altLang="en-US" smtClean="0"/>
-              <a:t>2018/7/19</a:t>
+              <a:t>2021/10/11</a:t>
             </a:fld>
             <a:endParaRPr lang="zh-TW" altLang="en-US"/>
           </a:p>
@@ -744,10 +762,9 @@
           <a:lstStyle/>
           <a:p>
             <a:r>
-              <a:rPr lang="zh-TW" altLang="en-US" smtClean="0"/>
+              <a:rPr lang="zh-TW" altLang="en-US"/>
               <a:t>按一下以編輯母片標題樣式</a:t>
             </a:r>
-            <a:endParaRPr lang="zh-TW" altLang="en-US"/>
           </a:p>
         </p:txBody>
       </p:sp>
@@ -768,38 +785,37 @@
           <a:p>
             <a:pPr lvl="0"/>
             <a:r>
-              <a:rPr lang="zh-TW" altLang="en-US" smtClean="0"/>
+              <a:rPr lang="zh-TW" altLang="en-US"/>
               <a:t>按一下以編輯母片文字樣式</a:t>
             </a:r>
           </a:p>
           <a:p>
             <a:pPr lvl="1"/>
             <a:r>
-              <a:rPr lang="zh-TW" altLang="en-US" smtClean="0"/>
+              <a:rPr lang="zh-TW" altLang="en-US"/>
               <a:t>第二層</a:t>
             </a:r>
           </a:p>
           <a:p>
             <a:pPr lvl="2"/>
             <a:r>
-              <a:rPr lang="zh-TW" altLang="en-US" smtClean="0"/>
+              <a:rPr lang="zh-TW" altLang="en-US"/>
               <a:t>第三層</a:t>
             </a:r>
           </a:p>
           <a:p>
             <a:pPr lvl="3"/>
             <a:r>
-              <a:rPr lang="zh-TW" altLang="en-US" smtClean="0"/>
+              <a:rPr lang="zh-TW" altLang="en-US"/>
               <a:t>第四層</a:t>
             </a:r>
           </a:p>
           <a:p>
             <a:pPr lvl="4"/>
             <a:r>
-              <a:rPr lang="zh-TW" altLang="en-US" smtClean="0"/>
+              <a:rPr lang="zh-TW" altLang="en-US"/>
               <a:t>第五層</a:t>
             </a:r>
-            <a:endParaRPr lang="zh-TW" altLang="en-US"/>
           </a:p>
         </p:txBody>
       </p:sp>
@@ -820,7 +836,7 @@
           <a:p>
             <a:fld id="{D58BD384-57F6-4D5A-8CBF-59EC341E346E}" type="datetimeFigureOut">
               <a:rPr lang="zh-TW" altLang="en-US" smtClean="0"/>
-              <a:t>2018/7/19</a:t>
+              <a:t>2021/10/11</a:t>
             </a:fld>
             <a:endParaRPr lang="zh-TW" altLang="en-US"/>
           </a:p>
@@ -919,10 +935,9 @@
           <a:lstStyle/>
           <a:p>
             <a:r>
-              <a:rPr lang="zh-TW" altLang="en-US" smtClean="0"/>
+              <a:rPr lang="zh-TW" altLang="en-US"/>
               <a:t>按一下以編輯母片標題樣式</a:t>
             </a:r>
-            <a:endParaRPr lang="zh-TW" altLang="en-US"/>
           </a:p>
         </p:txBody>
       </p:sp>
@@ -948,38 +963,37 @@
           <a:p>
             <a:pPr lvl="0"/>
             <a:r>
-              <a:rPr lang="zh-TW" altLang="en-US" smtClean="0"/>
+              <a:rPr lang="zh-TW" altLang="en-US"/>
               <a:t>按一下以編輯母片文字樣式</a:t>
             </a:r>
           </a:p>
           <a:p>
             <a:pPr lvl="1"/>
             <a:r>
-              <a:rPr lang="zh-TW" altLang="en-US" smtClean="0"/>
+              <a:rPr lang="zh-TW" altLang="en-US"/>
               <a:t>第二層</a:t>
             </a:r>
           </a:p>
           <a:p>
             <a:pPr lvl="2"/>
             <a:r>
-              <a:rPr lang="zh-TW" altLang="en-US" smtClean="0"/>
+              <a:rPr lang="zh-TW" altLang="en-US"/>
               <a:t>第三層</a:t>
             </a:r>
           </a:p>
           <a:p>
             <a:pPr lvl="3"/>
             <a:r>
-              <a:rPr lang="zh-TW" altLang="en-US" smtClean="0"/>
+              <a:rPr lang="zh-TW" altLang="en-US"/>
               <a:t>第四層</a:t>
             </a:r>
           </a:p>
           <a:p>
             <a:pPr lvl="4"/>
             <a:r>
-              <a:rPr lang="zh-TW" altLang="en-US" smtClean="0"/>
+              <a:rPr lang="zh-TW" altLang="en-US"/>
               <a:t>第五層</a:t>
             </a:r>
-            <a:endParaRPr lang="zh-TW" altLang="en-US"/>
           </a:p>
         </p:txBody>
       </p:sp>
@@ -1000,7 +1014,7 @@
           <a:p>
             <a:fld id="{D58BD384-57F6-4D5A-8CBF-59EC341E346E}" type="datetimeFigureOut">
               <a:rPr lang="zh-TW" altLang="en-US" smtClean="0"/>
-              <a:t>2018/7/19</a:t>
+              <a:t>2021/10/11</a:t>
             </a:fld>
             <a:endParaRPr lang="zh-TW" altLang="en-US"/>
           </a:p>
@@ -1094,10 +1108,9 @@
           <a:lstStyle/>
           <a:p>
             <a:r>
-              <a:rPr lang="zh-TW" altLang="en-US" smtClean="0"/>
+              <a:rPr lang="zh-TW" altLang="en-US"/>
               <a:t>按一下以編輯母片標題樣式</a:t>
             </a:r>
-            <a:endParaRPr lang="zh-TW" altLang="en-US"/>
           </a:p>
         </p:txBody>
       </p:sp>
@@ -1118,38 +1131,37 @@
           <a:p>
             <a:pPr lvl="0"/>
             <a:r>
-              <a:rPr lang="zh-TW" altLang="en-US" smtClean="0"/>
+              <a:rPr lang="zh-TW" altLang="en-US"/>
               <a:t>按一下以編輯母片文字樣式</a:t>
             </a:r>
           </a:p>
           <a:p>
             <a:pPr lvl="1"/>
             <a:r>
-              <a:rPr lang="zh-TW" altLang="en-US" smtClean="0"/>
+              <a:rPr lang="zh-TW" altLang="en-US"/>
               <a:t>第二層</a:t>
             </a:r>
           </a:p>
           <a:p>
             <a:pPr lvl="2"/>
             <a:r>
-              <a:rPr lang="zh-TW" altLang="en-US" smtClean="0"/>
+              <a:rPr lang="zh-TW" altLang="en-US"/>
               <a:t>第三層</a:t>
             </a:r>
           </a:p>
           <a:p>
             <a:pPr lvl="3"/>
             <a:r>
-              <a:rPr lang="zh-TW" altLang="en-US" smtClean="0"/>
+              <a:rPr lang="zh-TW" altLang="en-US"/>
               <a:t>第四層</a:t>
             </a:r>
           </a:p>
           <a:p>
             <a:pPr lvl="4"/>
             <a:r>
-              <a:rPr lang="zh-TW" altLang="en-US" smtClean="0"/>
+              <a:rPr lang="zh-TW" altLang="en-US"/>
               <a:t>第五層</a:t>
             </a:r>
-            <a:endParaRPr lang="zh-TW" altLang="en-US"/>
           </a:p>
         </p:txBody>
       </p:sp>
@@ -1170,7 +1182,7 @@
           <a:p>
             <a:fld id="{D58BD384-57F6-4D5A-8CBF-59EC341E346E}" type="datetimeFigureOut">
               <a:rPr lang="zh-TW" altLang="en-US" smtClean="0"/>
-              <a:t>2018/7/19</a:t>
+              <a:t>2021/10/11</a:t>
             </a:fld>
             <a:endParaRPr lang="zh-TW" altLang="en-US"/>
           </a:p>
@@ -1273,10 +1285,9 @@
           </a:lstStyle>
           <a:p>
             <a:r>
-              <a:rPr lang="zh-TW" altLang="en-US" smtClean="0"/>
+              <a:rPr lang="zh-TW" altLang="en-US"/>
               <a:t>按一下以編輯母片標題樣式</a:t>
             </a:r>
-            <a:endParaRPr lang="zh-TW" altLang="en-US"/>
           </a:p>
         </p:txBody>
       </p:sp>
@@ -1393,7 +1404,7 @@
           <a:p>
             <a:pPr lvl="0"/>
             <a:r>
-              <a:rPr lang="zh-TW" altLang="en-US" smtClean="0"/>
+              <a:rPr lang="zh-TW" altLang="en-US"/>
               <a:t>按一下以編輯母片文字樣式</a:t>
             </a:r>
           </a:p>
@@ -1416,7 +1427,7 @@
           <a:p>
             <a:fld id="{D58BD384-57F6-4D5A-8CBF-59EC341E346E}" type="datetimeFigureOut">
               <a:rPr lang="zh-TW" altLang="en-US" smtClean="0"/>
-              <a:t>2018/7/19</a:t>
+              <a:t>2021/10/11</a:t>
             </a:fld>
             <a:endParaRPr lang="zh-TW" altLang="en-US"/>
           </a:p>
@@ -1510,10 +1521,9 @@
           <a:lstStyle/>
           <a:p>
             <a:r>
-              <a:rPr lang="zh-TW" altLang="en-US" smtClean="0"/>
+              <a:rPr lang="zh-TW" altLang="en-US"/>
               <a:t>按一下以編輯母片標題樣式</a:t>
             </a:r>
-            <a:endParaRPr lang="zh-TW" altLang="en-US"/>
           </a:p>
         </p:txBody>
       </p:sp>
@@ -1567,38 +1577,37 @@
           <a:p>
             <a:pPr lvl="0"/>
             <a:r>
-              <a:rPr lang="zh-TW" altLang="en-US" smtClean="0"/>
+              <a:rPr lang="zh-TW" altLang="en-US"/>
               <a:t>按一下以編輯母片文字樣式</a:t>
             </a:r>
           </a:p>
           <a:p>
             <a:pPr lvl="1"/>
             <a:r>
-              <a:rPr lang="zh-TW" altLang="en-US" smtClean="0"/>
+              <a:rPr lang="zh-TW" altLang="en-US"/>
               <a:t>第二層</a:t>
             </a:r>
           </a:p>
           <a:p>
             <a:pPr lvl="2"/>
             <a:r>
-              <a:rPr lang="zh-TW" altLang="en-US" smtClean="0"/>
+              <a:rPr lang="zh-TW" altLang="en-US"/>
               <a:t>第三層</a:t>
             </a:r>
           </a:p>
           <a:p>
             <a:pPr lvl="3"/>
             <a:r>
-              <a:rPr lang="zh-TW" altLang="en-US" smtClean="0"/>
+              <a:rPr lang="zh-TW" altLang="en-US"/>
               <a:t>第四層</a:t>
             </a:r>
           </a:p>
           <a:p>
             <a:pPr lvl="4"/>
             <a:r>
-              <a:rPr lang="zh-TW" altLang="en-US" smtClean="0"/>
+              <a:rPr lang="zh-TW" altLang="en-US"/>
               <a:t>第五層</a:t>
             </a:r>
-            <a:endParaRPr lang="zh-TW" altLang="en-US"/>
           </a:p>
         </p:txBody>
       </p:sp>
@@ -1652,38 +1661,37 @@
           <a:p>
             <a:pPr lvl="0"/>
             <a:r>
-              <a:rPr lang="zh-TW" altLang="en-US" smtClean="0"/>
+              <a:rPr lang="zh-TW" altLang="en-US"/>
               <a:t>按一下以編輯母片文字樣式</a:t>
             </a:r>
           </a:p>
           <a:p>
             <a:pPr lvl="1"/>
             <a:r>
-              <a:rPr lang="zh-TW" altLang="en-US" smtClean="0"/>
+              <a:rPr lang="zh-TW" altLang="en-US"/>
               <a:t>第二層</a:t>
             </a:r>
           </a:p>
           <a:p>
             <a:pPr lvl="2"/>
             <a:r>
-              <a:rPr lang="zh-TW" altLang="en-US" smtClean="0"/>
+              <a:rPr lang="zh-TW" altLang="en-US"/>
               <a:t>第三層</a:t>
             </a:r>
           </a:p>
           <a:p>
             <a:pPr lvl="3"/>
             <a:r>
-              <a:rPr lang="zh-TW" altLang="en-US" smtClean="0"/>
+              <a:rPr lang="zh-TW" altLang="en-US"/>
               <a:t>第四層</a:t>
             </a:r>
           </a:p>
           <a:p>
             <a:pPr lvl="4"/>
             <a:r>
-              <a:rPr lang="zh-TW" altLang="en-US" smtClean="0"/>
+              <a:rPr lang="zh-TW" altLang="en-US"/>
               <a:t>第五層</a:t>
             </a:r>
-            <a:endParaRPr lang="zh-TW" altLang="en-US"/>
           </a:p>
         </p:txBody>
       </p:sp>
@@ -1704,7 +1712,7 @@
           <a:p>
             <a:fld id="{D58BD384-57F6-4D5A-8CBF-59EC341E346E}" type="datetimeFigureOut">
               <a:rPr lang="zh-TW" altLang="en-US" smtClean="0"/>
-              <a:t>2018/7/19</a:t>
+              <a:t>2021/10/11</a:t>
             </a:fld>
             <a:endParaRPr lang="zh-TW" altLang="en-US"/>
           </a:p>
@@ -1802,10 +1810,9 @@
           </a:lstStyle>
           <a:p>
             <a:r>
-              <a:rPr lang="zh-TW" altLang="en-US" smtClean="0"/>
+              <a:rPr lang="zh-TW" altLang="en-US"/>
               <a:t>按一下以編輯母片標題樣式</a:t>
             </a:r>
-            <a:endParaRPr lang="zh-TW" altLang="en-US"/>
           </a:p>
         </p:txBody>
       </p:sp>
@@ -1868,7 +1875,7 @@
           <a:p>
             <a:pPr lvl="0"/>
             <a:r>
-              <a:rPr lang="zh-TW" altLang="en-US" smtClean="0"/>
+              <a:rPr lang="zh-TW" altLang="en-US"/>
               <a:t>按一下以編輯母片文字樣式</a:t>
             </a:r>
           </a:p>
@@ -1924,38 +1931,37 @@
           <a:p>
             <a:pPr lvl="0"/>
             <a:r>
-              <a:rPr lang="zh-TW" altLang="en-US" smtClean="0"/>
+              <a:rPr lang="zh-TW" altLang="en-US"/>
               <a:t>按一下以編輯母片文字樣式</a:t>
             </a:r>
           </a:p>
           <a:p>
             <a:pPr lvl="1"/>
             <a:r>
-              <a:rPr lang="zh-TW" altLang="en-US" smtClean="0"/>
+              <a:rPr lang="zh-TW" altLang="en-US"/>
               <a:t>第二層</a:t>
             </a:r>
           </a:p>
           <a:p>
             <a:pPr lvl="2"/>
             <a:r>
-              <a:rPr lang="zh-TW" altLang="en-US" smtClean="0"/>
+              <a:rPr lang="zh-TW" altLang="en-US"/>
               <a:t>第三層</a:t>
             </a:r>
           </a:p>
           <a:p>
             <a:pPr lvl="3"/>
             <a:r>
-              <a:rPr lang="zh-TW" altLang="en-US" smtClean="0"/>
+              <a:rPr lang="zh-TW" altLang="en-US"/>
               <a:t>第四層</a:t>
             </a:r>
           </a:p>
           <a:p>
             <a:pPr lvl="4"/>
             <a:r>
-              <a:rPr lang="zh-TW" altLang="en-US" smtClean="0"/>
+              <a:rPr lang="zh-TW" altLang="en-US"/>
               <a:t>第五層</a:t>
             </a:r>
-            <a:endParaRPr lang="zh-TW" altLang="en-US"/>
           </a:p>
         </p:txBody>
       </p:sp>
@@ -2018,7 +2024,7 @@
           <a:p>
             <a:pPr lvl="0"/>
             <a:r>
-              <a:rPr lang="zh-TW" altLang="en-US" smtClean="0"/>
+              <a:rPr lang="zh-TW" altLang="en-US"/>
               <a:t>按一下以編輯母片文字樣式</a:t>
             </a:r>
           </a:p>
@@ -2074,38 +2080,37 @@
           <a:p>
             <a:pPr lvl="0"/>
             <a:r>
-              <a:rPr lang="zh-TW" altLang="en-US" smtClean="0"/>
+              <a:rPr lang="zh-TW" altLang="en-US"/>
               <a:t>按一下以編輯母片文字樣式</a:t>
             </a:r>
           </a:p>
           <a:p>
             <a:pPr lvl="1"/>
             <a:r>
-              <a:rPr lang="zh-TW" altLang="en-US" smtClean="0"/>
+              <a:rPr lang="zh-TW" altLang="en-US"/>
               <a:t>第二層</a:t>
             </a:r>
           </a:p>
           <a:p>
             <a:pPr lvl="2"/>
             <a:r>
-              <a:rPr lang="zh-TW" altLang="en-US" smtClean="0"/>
+              <a:rPr lang="zh-TW" altLang="en-US"/>
               <a:t>第三層</a:t>
             </a:r>
           </a:p>
           <a:p>
             <a:pPr lvl="3"/>
             <a:r>
-              <a:rPr lang="zh-TW" altLang="en-US" smtClean="0"/>
+              <a:rPr lang="zh-TW" altLang="en-US"/>
               <a:t>第四層</a:t>
             </a:r>
           </a:p>
           <a:p>
             <a:pPr lvl="4"/>
             <a:r>
-              <a:rPr lang="zh-TW" altLang="en-US" smtClean="0"/>
+              <a:rPr lang="zh-TW" altLang="en-US"/>
               <a:t>第五層</a:t>
             </a:r>
-            <a:endParaRPr lang="zh-TW" altLang="en-US"/>
           </a:p>
         </p:txBody>
       </p:sp>
@@ -2126,7 +2131,7 @@
           <a:p>
             <a:fld id="{D58BD384-57F6-4D5A-8CBF-59EC341E346E}" type="datetimeFigureOut">
               <a:rPr lang="zh-TW" altLang="en-US" smtClean="0"/>
-              <a:t>2018/7/19</a:t>
+              <a:t>2021/10/11</a:t>
             </a:fld>
             <a:endParaRPr lang="zh-TW" altLang="en-US"/>
           </a:p>
@@ -2220,10 +2225,9 @@
           <a:lstStyle/>
           <a:p>
             <a:r>
-              <a:rPr lang="zh-TW" altLang="en-US" smtClean="0"/>
+              <a:rPr lang="zh-TW" altLang="en-US"/>
               <a:t>按一下以編輯母片標題樣式</a:t>
             </a:r>
-            <a:endParaRPr lang="zh-TW" altLang="en-US"/>
           </a:p>
         </p:txBody>
       </p:sp>
@@ -2244,7 +2248,7 @@
           <a:p>
             <a:fld id="{D58BD384-57F6-4D5A-8CBF-59EC341E346E}" type="datetimeFigureOut">
               <a:rPr lang="zh-TW" altLang="en-US" smtClean="0"/>
-              <a:t>2018/7/19</a:t>
+              <a:t>2021/10/11</a:t>
             </a:fld>
             <a:endParaRPr lang="zh-TW" altLang="en-US"/>
           </a:p>
@@ -2339,7 +2343,7 @@
           <a:p>
             <a:fld id="{D58BD384-57F6-4D5A-8CBF-59EC341E346E}" type="datetimeFigureOut">
               <a:rPr lang="zh-TW" altLang="en-US" smtClean="0"/>
-              <a:t>2018/7/19</a:t>
+              <a:t>2021/10/11</a:t>
             </a:fld>
             <a:endParaRPr lang="zh-TW" altLang="en-US"/>
           </a:p>
@@ -2442,10 +2446,9 @@
           </a:lstStyle>
           <a:p>
             <a:r>
-              <a:rPr lang="zh-TW" altLang="en-US" smtClean="0"/>
+              <a:rPr lang="zh-TW" altLang="en-US"/>
               <a:t>按一下以編輯母片標題樣式</a:t>
             </a:r>
-            <a:endParaRPr lang="zh-TW" altLang="en-US"/>
           </a:p>
         </p:txBody>
       </p:sp>
@@ -2499,38 +2502,37 @@
           <a:p>
             <a:pPr lvl="0"/>
             <a:r>
-              <a:rPr lang="zh-TW" altLang="en-US" smtClean="0"/>
+              <a:rPr lang="zh-TW" altLang="en-US"/>
               <a:t>按一下以編輯母片文字樣式</a:t>
             </a:r>
           </a:p>
           <a:p>
             <a:pPr lvl="1"/>
             <a:r>
-              <a:rPr lang="zh-TW" altLang="en-US" smtClean="0"/>
+              <a:rPr lang="zh-TW" altLang="en-US"/>
               <a:t>第二層</a:t>
             </a:r>
           </a:p>
           <a:p>
             <a:pPr lvl="2"/>
             <a:r>
-              <a:rPr lang="zh-TW" altLang="en-US" smtClean="0"/>
+              <a:rPr lang="zh-TW" altLang="en-US"/>
               <a:t>第三層</a:t>
             </a:r>
           </a:p>
           <a:p>
             <a:pPr lvl="3"/>
             <a:r>
-              <a:rPr lang="zh-TW" altLang="en-US" smtClean="0"/>
+              <a:rPr lang="zh-TW" altLang="en-US"/>
               <a:t>第四層</a:t>
             </a:r>
           </a:p>
           <a:p>
             <a:pPr lvl="4"/>
             <a:r>
-              <a:rPr lang="zh-TW" altLang="en-US" smtClean="0"/>
+              <a:rPr lang="zh-TW" altLang="en-US"/>
               <a:t>第五層</a:t>
             </a:r>
-            <a:endParaRPr lang="zh-TW" altLang="en-US"/>
           </a:p>
         </p:txBody>
       </p:sp>
@@ -2593,7 +2595,7 @@
           <a:p>
             <a:pPr lvl="0"/>
             <a:r>
-              <a:rPr lang="zh-TW" altLang="en-US" smtClean="0"/>
+              <a:rPr lang="zh-TW" altLang="en-US"/>
               <a:t>按一下以編輯母片文字樣式</a:t>
             </a:r>
           </a:p>
@@ -2616,7 +2618,7 @@
           <a:p>
             <a:fld id="{D58BD384-57F6-4D5A-8CBF-59EC341E346E}" type="datetimeFigureOut">
               <a:rPr lang="zh-TW" altLang="en-US" smtClean="0"/>
-              <a:t>2018/7/19</a:t>
+              <a:t>2021/10/11</a:t>
             </a:fld>
             <a:endParaRPr lang="zh-TW" altLang="en-US"/>
           </a:p>
@@ -2719,10 +2721,9 @@
           </a:lstStyle>
           <a:p>
             <a:r>
-              <a:rPr lang="zh-TW" altLang="en-US" smtClean="0"/>
+              <a:rPr lang="zh-TW" altLang="en-US"/>
               <a:t>按一下以編輯母片標題樣式</a:t>
             </a:r>
-            <a:endParaRPr lang="zh-TW" altLang="en-US"/>
           </a:p>
         </p:txBody>
       </p:sp>
@@ -2846,7 +2847,7 @@
           <a:p>
             <a:pPr lvl="0"/>
             <a:r>
-              <a:rPr lang="zh-TW" altLang="en-US" smtClean="0"/>
+              <a:rPr lang="zh-TW" altLang="en-US"/>
               <a:t>按一下以編輯母片文字樣式</a:t>
             </a:r>
           </a:p>
@@ -2869,7 +2870,7 @@
           <a:p>
             <a:fld id="{D58BD384-57F6-4D5A-8CBF-59EC341E346E}" type="datetimeFigureOut">
               <a:rPr lang="zh-TW" altLang="en-US" smtClean="0"/>
-              <a:t>2018/7/19</a:t>
+              <a:t>2021/10/11</a:t>
             </a:fld>
             <a:endParaRPr lang="zh-TW" altLang="en-US"/>
           </a:p>
@@ -2978,10 +2979,9 @@
           <a:lstStyle/>
           <a:p>
             <a:r>
-              <a:rPr lang="zh-TW" altLang="en-US" smtClean="0"/>
+              <a:rPr lang="zh-TW" altLang="en-US"/>
               <a:t>按一下以編輯母片標題樣式</a:t>
             </a:r>
-            <a:endParaRPr lang="zh-TW" altLang="en-US"/>
           </a:p>
         </p:txBody>
       </p:sp>
@@ -3012,38 +3012,37 @@
           <a:p>
             <a:pPr lvl="0"/>
             <a:r>
-              <a:rPr lang="zh-TW" altLang="en-US" smtClean="0"/>
+              <a:rPr lang="zh-TW" altLang="en-US"/>
               <a:t>按一下以編輯母片文字樣式</a:t>
             </a:r>
           </a:p>
           <a:p>
             <a:pPr lvl="1"/>
             <a:r>
-              <a:rPr lang="zh-TW" altLang="en-US" smtClean="0"/>
+              <a:rPr lang="zh-TW" altLang="en-US"/>
               <a:t>第二層</a:t>
             </a:r>
           </a:p>
           <a:p>
             <a:pPr lvl="2"/>
             <a:r>
-              <a:rPr lang="zh-TW" altLang="en-US" smtClean="0"/>
+              <a:rPr lang="zh-TW" altLang="en-US"/>
               <a:t>第三層</a:t>
             </a:r>
           </a:p>
           <a:p>
             <a:pPr lvl="3"/>
             <a:r>
-              <a:rPr lang="zh-TW" altLang="en-US" smtClean="0"/>
+              <a:rPr lang="zh-TW" altLang="en-US"/>
               <a:t>第四層</a:t>
             </a:r>
           </a:p>
           <a:p>
             <a:pPr lvl="4"/>
             <a:r>
-              <a:rPr lang="zh-TW" altLang="en-US" smtClean="0"/>
+              <a:rPr lang="zh-TW" altLang="en-US"/>
               <a:t>第五層</a:t>
             </a:r>
-            <a:endParaRPr lang="zh-TW" altLang="en-US"/>
           </a:p>
         </p:txBody>
       </p:sp>
@@ -3082,7 +3081,7 @@
           <a:p>
             <a:fld id="{D58BD384-57F6-4D5A-8CBF-59EC341E346E}" type="datetimeFigureOut">
               <a:rPr lang="zh-TW" altLang="en-US" smtClean="0"/>
-              <a:t>2018/7/19</a:t>
+              <a:t>2021/10/11</a:t>
             </a:fld>
             <a:endParaRPr lang="zh-TW" altLang="en-US"/>
           </a:p>
@@ -3480,15 +3479,11 @@
           <a:lstStyle/>
           <a:p>
             <a:r>
-              <a:rPr lang="zh-TW" altLang="en-US" sz="6000" dirty="0" smtClean="0"/>
+              <a:rPr lang="zh-TW" altLang="en-US" sz="6000" dirty="0"/>
               <a:t>類比轉換數位資料</a:t>
             </a:r>
-            <a:r>
-              <a:rPr lang="en-US" altLang="zh-TW" sz="6000" dirty="0" smtClean="0"/>
-              <a:t/>
-            </a:r>
             <a:br>
-              <a:rPr lang="en-US" altLang="zh-TW" sz="6000" dirty="0" smtClean="0"/>
+              <a:rPr lang="en-US" altLang="zh-TW" sz="6000" dirty="0"/>
             </a:br>
             <a:endParaRPr lang="zh-TW" altLang="en-US" sz="6000" dirty="0"/>
           </a:p>
@@ -3528,13 +3523,6 @@
   <p:clrMapOvr>
     <a:masterClrMapping/>
   </p:clrMapOvr>
-  <p:timing>
-    <p:tnLst>
-      <p:par>
-        <p:cTn id="1" dur="indefinite" restart="never" nodeType="tmRoot"/>
-      </p:par>
-    </p:tnLst>
-  </p:timing>
 </p:sld>
 </file>
 
@@ -3572,29 +3560,151 @@
           <a:p>
             <a:r>
               <a:rPr lang="zh-TW" altLang="en-US" dirty="0"/>
-              <a:t>訊號與雜訊</a:t>
-            </a:r>
-            <a:r>
-              <a:rPr lang="zh-TW" altLang="en-US" dirty="0" smtClean="0"/>
-              <a:t>比</a:t>
-            </a:r>
-            <a:r>
-              <a:rPr lang="en-US" altLang="zh-TW" dirty="0" smtClean="0"/>
-              <a:t/>
+              <a:t>量測的限制</a:t>
+            </a:r>
+          </a:p>
+        </p:txBody>
+      </p:sp>
+      <p:sp>
+        <p:nvSpPr>
+          <p:cNvPr id="3" name="內容版面配置區 2"/>
+          <p:cNvSpPr>
+            <a:spLocks noGrp="1"/>
+          </p:cNvSpPr>
+          <p:nvPr>
+            <p:ph idx="1"/>
+          </p:nvPr>
+        </p:nvSpPr>
+        <p:spPr/>
+        <p:txBody>
+          <a:bodyPr/>
+          <a:lstStyle/>
+          <a:p>
+            <a:r>
+              <a:rPr lang="zh-TW" altLang="en-US" dirty="0"/>
+              <a:t>受限於訊號之物理化學特性</a:t>
+            </a:r>
+            <a:endParaRPr lang="en-US" altLang="zh-TW" dirty="0"/>
+          </a:p>
+          <a:p>
+            <a:pPr lvl="1"/>
+            <a:r>
+              <a:rPr lang="zh-TW" altLang="en-US" dirty="0"/>
+              <a:t>訊號強度、雜訊影響、訊號變化速率</a:t>
+            </a:r>
+            <a:r>
+              <a:rPr lang="en-US" altLang="zh-TW" dirty="0"/>
+              <a:t>(</a:t>
+            </a:r>
+            <a:r>
+              <a:rPr lang="zh-TW" altLang="en-US" dirty="0"/>
+              <a:t>取樣頻率</a:t>
+            </a:r>
+            <a:r>
+              <a:rPr lang="en-US" altLang="zh-TW" dirty="0"/>
+              <a:t>)</a:t>
+            </a:r>
+          </a:p>
+          <a:p>
+            <a:endParaRPr lang="en-US" altLang="zh-TW" dirty="0"/>
+          </a:p>
+          <a:p>
+            <a:r>
+              <a:rPr lang="zh-TW" altLang="en-US" dirty="0"/>
+              <a:t>現有科技工業所能提供之產品</a:t>
+            </a:r>
+            <a:endParaRPr lang="en-US" altLang="zh-TW" dirty="0"/>
+          </a:p>
+          <a:p>
+            <a:pPr lvl="1"/>
+            <a:r>
+              <a:rPr lang="en-US" altLang="zh-TW" dirty="0"/>
+              <a:t>sensor</a:t>
+            </a:r>
+            <a:r>
+              <a:rPr lang="zh-TW" altLang="en-US" dirty="0"/>
+              <a:t>、放大器、</a:t>
+            </a:r>
+            <a:r>
+              <a:rPr lang="en-US" altLang="zh-TW" dirty="0"/>
+              <a:t>AD</a:t>
+            </a:r>
+            <a:r>
+              <a:rPr lang="zh-TW" altLang="en-US" dirty="0"/>
+              <a:t> </a:t>
+            </a:r>
+            <a:r>
+              <a:rPr lang="en-US" altLang="zh-TW" dirty="0"/>
+              <a:t>converter</a:t>
+            </a:r>
+          </a:p>
+          <a:p>
+            <a:endParaRPr lang="zh-TW" altLang="en-US" dirty="0"/>
+          </a:p>
+        </p:txBody>
+      </p:sp>
+    </p:spTree>
+    <p:extLst>
+      <p:ext uri="{BB962C8B-B14F-4D97-AF65-F5344CB8AC3E}">
+        <p14:creationId xmlns:p14="http://schemas.microsoft.com/office/powerpoint/2010/main" val="533219560"/>
+      </p:ext>
+    </p:extLst>
+  </p:cSld>
+  <p:clrMapOvr>
+    <a:masterClrMapping/>
+  </p:clrMapOvr>
+</p:sld>
+</file>
+
+<file path=ppt/slides/slide11.xml><?xml version="1.0" encoding="utf-8"?>
+<p:sld xmlns:a="http://schemas.openxmlformats.org/drawingml/2006/main" xmlns:r="http://schemas.openxmlformats.org/officeDocument/2006/relationships" xmlns:p="http://schemas.openxmlformats.org/presentationml/2006/main">
+  <p:cSld>
+    <p:spTree>
+      <p:nvGrpSpPr>
+        <p:cNvPr id="1" name=""/>
+        <p:cNvGrpSpPr/>
+        <p:nvPr/>
+      </p:nvGrpSpPr>
+      <p:grpSpPr>
+        <a:xfrm>
+          <a:off x="0" y="0"/>
+          <a:ext cx="0" cy="0"/>
+          <a:chOff x="0" y="0"/>
+          <a:chExt cx="0" cy="0"/>
+        </a:xfrm>
+      </p:grpSpPr>
+      <p:sp>
+        <p:nvSpPr>
+          <p:cNvPr id="2" name="標題 1"/>
+          <p:cNvSpPr>
+            <a:spLocks noGrp="1"/>
+          </p:cNvSpPr>
+          <p:nvPr>
+            <p:ph type="title"/>
+          </p:nvPr>
+        </p:nvSpPr>
+        <p:spPr/>
+        <p:txBody>
+          <a:bodyPr/>
+          <a:lstStyle/>
+          <a:p>
+            <a:r>
+              <a:rPr lang="zh-TW" altLang="en-US" dirty="0"/>
+              <a:t>訊號與雜訊比</a:t>
             </a:r>
             <a:br>
-              <a:rPr lang="en-US" altLang="zh-TW" dirty="0" smtClean="0"/>
+              <a:rPr lang="en-US" altLang="zh-TW" dirty="0"/>
             </a:br>
             <a:r>
-              <a:rPr lang="en-US" altLang="zh-TW" dirty="0" smtClean="0"/>
+              <a:rPr lang="en-US" altLang="zh-TW" dirty="0"/>
               <a:t>Signal Noise (SN)</a:t>
             </a:r>
             <a:r>
-              <a:rPr lang="zh-TW" altLang="en-US" dirty="0" smtClean="0"/>
+              <a:rPr lang="zh-TW" altLang="en-US" dirty="0"/>
               <a:t> </a:t>
             </a:r>
             <a:r>
-              <a:rPr lang="en-US" altLang="zh-TW" dirty="0" smtClean="0"/>
+              <a:rPr lang="en-US" altLang="zh-TW" dirty="0"/>
               <a:t>ration</a:t>
             </a:r>
             <a:endParaRPr lang="zh-TW" altLang="en-US" dirty="0"/>
@@ -3639,13 +3749,468 @@
   <p:clrMapOvr>
     <a:masterClrMapping/>
   </p:clrMapOvr>
-  <p:timing>
-    <p:tnLst>
-      <p:par>
-        <p:cTn id="1" dur="indefinite" restart="never" nodeType="tmRoot"/>
-      </p:par>
-    </p:tnLst>
-  </p:timing>
+</p:sld>
+</file>
+
+<file path=ppt/slides/slide12.xml><?xml version="1.0" encoding="utf-8"?>
+<p:sld xmlns:a="http://schemas.openxmlformats.org/drawingml/2006/main" xmlns:r="http://schemas.openxmlformats.org/officeDocument/2006/relationships" xmlns:p="http://schemas.openxmlformats.org/presentationml/2006/main">
+  <p:cSld>
+    <p:spTree>
+      <p:nvGrpSpPr>
+        <p:cNvPr id="1" name=""/>
+        <p:cNvGrpSpPr/>
+        <p:nvPr/>
+      </p:nvGrpSpPr>
+      <p:grpSpPr>
+        <a:xfrm>
+          <a:off x="0" y="0"/>
+          <a:ext cx="0" cy="0"/>
+          <a:chOff x="0" y="0"/>
+          <a:chExt cx="0" cy="0"/>
+        </a:xfrm>
+      </p:grpSpPr>
+      <p:sp>
+        <p:nvSpPr>
+          <p:cNvPr id="2" name="標題 1">
+            <a:extLst>
+              <a:ext uri="{FF2B5EF4-FFF2-40B4-BE49-F238E27FC236}">
+                <a16:creationId xmlns:a16="http://schemas.microsoft.com/office/drawing/2014/main" id="{352D1988-CCF3-4EBB-8943-77CC588E193C}"/>
+              </a:ext>
+            </a:extLst>
+          </p:cNvPr>
+          <p:cNvSpPr>
+            <a:spLocks noGrp="1"/>
+          </p:cNvSpPr>
+          <p:nvPr>
+            <p:ph type="title"/>
+          </p:nvPr>
+        </p:nvSpPr>
+        <p:spPr>
+          <a:xfrm>
+            <a:off x="453081" y="10503"/>
+            <a:ext cx="8229600" cy="1143000"/>
+          </a:xfrm>
+        </p:spPr>
+        <p:txBody>
+          <a:bodyPr/>
+          <a:lstStyle/>
+          <a:p>
+            <a:r>
+              <a:rPr lang="zh-TW" altLang="en-US" dirty="0"/>
+              <a:t>資料及度量標準化</a:t>
+            </a:r>
+          </a:p>
+        </p:txBody>
+      </p:sp>
+      <p:sp>
+        <p:nvSpPr>
+          <p:cNvPr id="3" name="內容版面配置區 2">
+            <a:extLst>
+              <a:ext uri="{FF2B5EF4-FFF2-40B4-BE49-F238E27FC236}">
+                <a16:creationId xmlns:a16="http://schemas.microsoft.com/office/drawing/2014/main" id="{967C2D44-E0F8-43F5-BFD2-632E30F3F780}"/>
+              </a:ext>
+            </a:extLst>
+          </p:cNvPr>
+          <p:cNvSpPr>
+            <a:spLocks noGrp="1"/>
+          </p:cNvSpPr>
+          <p:nvPr>
+            <p:ph idx="1"/>
+          </p:nvPr>
+        </p:nvSpPr>
+        <p:spPr>
+          <a:xfrm>
+            <a:off x="453081" y="1340768"/>
+            <a:ext cx="8229600" cy="4525963"/>
+          </a:xfrm>
+        </p:spPr>
+        <p:txBody>
+          <a:bodyPr/>
+          <a:lstStyle/>
+          <a:p>
+            <a:r>
+              <a:rPr lang="zh-TW" altLang="en-US" dirty="0"/>
+              <a:t>受測者狀況</a:t>
+            </a:r>
+            <a:endParaRPr lang="en-US" altLang="zh-TW" dirty="0"/>
+          </a:p>
+          <a:p>
+            <a:endParaRPr lang="en-US" altLang="zh-TW" dirty="0"/>
+          </a:p>
+          <a:p>
+            <a:r>
+              <a:rPr lang="zh-TW" altLang="en-US" dirty="0"/>
+              <a:t>量測環境</a:t>
+            </a:r>
+            <a:endParaRPr lang="en-US" altLang="zh-TW" dirty="0"/>
+          </a:p>
+          <a:p>
+            <a:endParaRPr lang="en-US" altLang="zh-TW" dirty="0"/>
+          </a:p>
+          <a:p>
+            <a:r>
+              <a:rPr lang="zh-TW" altLang="en-US" dirty="0"/>
+              <a:t>使用的裝置</a:t>
+            </a:r>
+            <a:endParaRPr lang="en-US" altLang="zh-TW" dirty="0"/>
+          </a:p>
+          <a:p>
+            <a:endParaRPr lang="en-US" altLang="zh-TW" dirty="0"/>
+          </a:p>
+          <a:p>
+            <a:r>
+              <a:rPr lang="zh-TW" altLang="en-US" dirty="0"/>
+              <a:t>資料度量規格</a:t>
+            </a:r>
+            <a:endParaRPr lang="en-US" altLang="zh-TW" dirty="0"/>
+          </a:p>
+          <a:p>
+            <a:pPr lvl="1"/>
+            <a:r>
+              <a:rPr lang="zh-TW" altLang="en-US" dirty="0"/>
+              <a:t>數值、時間、空間</a:t>
+            </a:r>
+            <a:endParaRPr lang="en-US" altLang="zh-TW" dirty="0"/>
+          </a:p>
+          <a:p>
+            <a:endParaRPr lang="en-US" altLang="zh-TW" dirty="0"/>
+          </a:p>
+        </p:txBody>
+      </p:sp>
+    </p:spTree>
+    <p:extLst>
+      <p:ext uri="{BB962C8B-B14F-4D97-AF65-F5344CB8AC3E}">
+        <p14:creationId xmlns:p14="http://schemas.microsoft.com/office/powerpoint/2010/main" val="3173118247"/>
+      </p:ext>
+    </p:extLst>
+  </p:cSld>
+  <p:clrMapOvr>
+    <a:masterClrMapping/>
+  </p:clrMapOvr>
+</p:sld>
+</file>
+
+<file path=ppt/slides/slide13.xml><?xml version="1.0" encoding="utf-8"?>
+<p:sld xmlns:a="http://schemas.openxmlformats.org/drawingml/2006/main" xmlns:r="http://schemas.openxmlformats.org/officeDocument/2006/relationships" xmlns:p="http://schemas.openxmlformats.org/presentationml/2006/main">
+  <p:cSld>
+    <p:spTree>
+      <p:nvGrpSpPr>
+        <p:cNvPr id="1" name=""/>
+        <p:cNvGrpSpPr/>
+        <p:nvPr/>
+      </p:nvGrpSpPr>
+      <p:grpSpPr>
+        <a:xfrm>
+          <a:off x="0" y="0"/>
+          <a:ext cx="0" cy="0"/>
+          <a:chOff x="0" y="0"/>
+          <a:chExt cx="0" cy="0"/>
+        </a:xfrm>
+      </p:grpSpPr>
+      <p:sp>
+        <p:nvSpPr>
+          <p:cNvPr id="2" name="標題 1">
+            <a:extLst>
+              <a:ext uri="{FF2B5EF4-FFF2-40B4-BE49-F238E27FC236}">
+                <a16:creationId xmlns:a16="http://schemas.microsoft.com/office/drawing/2014/main" id="{26B294D1-ED70-43E6-AA18-91470D58F7D4}"/>
+              </a:ext>
+            </a:extLst>
+          </p:cNvPr>
+          <p:cNvSpPr>
+            <a:spLocks noGrp="1"/>
+          </p:cNvSpPr>
+          <p:nvPr>
+            <p:ph type="title"/>
+          </p:nvPr>
+        </p:nvSpPr>
+        <p:spPr/>
+        <p:txBody>
+          <a:bodyPr/>
+          <a:lstStyle/>
+          <a:p>
+            <a:r>
+              <a:rPr lang="zh-TW" altLang="en-US" dirty="0"/>
+              <a:t>數據分析及研究基本要求</a:t>
+            </a:r>
+          </a:p>
+        </p:txBody>
+      </p:sp>
+      <p:sp>
+        <p:nvSpPr>
+          <p:cNvPr id="3" name="內容版面配置區 2">
+            <a:extLst>
+              <a:ext uri="{FF2B5EF4-FFF2-40B4-BE49-F238E27FC236}">
+                <a16:creationId xmlns:a16="http://schemas.microsoft.com/office/drawing/2014/main" id="{5979F94D-84BD-49E7-8592-2EE3A6899BE4}"/>
+              </a:ext>
+            </a:extLst>
+          </p:cNvPr>
+          <p:cNvSpPr>
+            <a:spLocks noGrp="1"/>
+          </p:cNvSpPr>
+          <p:nvPr>
+            <p:ph idx="1"/>
+          </p:nvPr>
+        </p:nvSpPr>
+        <p:spPr/>
+        <p:txBody>
+          <a:bodyPr/>
+          <a:lstStyle/>
+          <a:p>
+            <a:r>
+              <a:rPr lang="zh-TW" altLang="en-US" dirty="0"/>
+              <a:t>量測結果一致性</a:t>
+            </a:r>
+            <a:endParaRPr lang="en-US" altLang="zh-TW" dirty="0"/>
+          </a:p>
+          <a:p>
+            <a:pPr lvl="1"/>
+            <a:r>
+              <a:rPr lang="zh-TW" altLang="en-US" dirty="0"/>
+              <a:t>受測者狀況、環境、量測方式、裝置</a:t>
+            </a:r>
+            <a:endParaRPr lang="en-US" altLang="zh-TW" dirty="0"/>
+          </a:p>
+          <a:p>
+            <a:pPr lvl="1"/>
+            <a:r>
+              <a:rPr lang="zh-TW" altLang="en-US" dirty="0"/>
+              <a:t>重複測量可取得誤差範圍內的資料</a:t>
+            </a:r>
+            <a:endParaRPr lang="en-US" altLang="zh-TW" dirty="0"/>
+          </a:p>
+          <a:p>
+            <a:endParaRPr lang="en-US" altLang="zh-TW" dirty="0"/>
+          </a:p>
+          <a:p>
+            <a:r>
+              <a:rPr lang="zh-TW" altLang="en-US" dirty="0"/>
+              <a:t>分析結果可重複驗證</a:t>
+            </a:r>
+            <a:endParaRPr lang="en-US" altLang="zh-TW" dirty="0"/>
+          </a:p>
+          <a:p>
+            <a:pPr lvl="1"/>
+            <a:r>
+              <a:rPr lang="zh-TW" altLang="en-US" dirty="0"/>
+              <a:t>相同數據，相同處理方式，可產生重複的結果</a:t>
+            </a:r>
+            <a:endParaRPr lang="en-US" altLang="zh-TW" dirty="0"/>
+          </a:p>
+          <a:p>
+            <a:pPr marL="457200" lvl="1" indent="0">
+              <a:buNone/>
+            </a:pPr>
+            <a:endParaRPr lang="en-US" altLang="zh-TW" dirty="0"/>
+          </a:p>
+          <a:p>
+            <a:pPr marL="457200" lvl="1" indent="0">
+              <a:buNone/>
+            </a:pPr>
+            <a:endParaRPr lang="en-US" altLang="zh-TW" dirty="0"/>
+          </a:p>
+          <a:p>
+            <a:endParaRPr lang="zh-TW" altLang="en-US" dirty="0"/>
+          </a:p>
+          <a:p>
+            <a:endParaRPr lang="zh-TW" altLang="en-US" dirty="0"/>
+          </a:p>
+        </p:txBody>
+      </p:sp>
+    </p:spTree>
+    <p:extLst>
+      <p:ext uri="{BB962C8B-B14F-4D97-AF65-F5344CB8AC3E}">
+        <p14:creationId xmlns:p14="http://schemas.microsoft.com/office/powerpoint/2010/main" val="655815950"/>
+      </p:ext>
+    </p:extLst>
+  </p:cSld>
+  <p:clrMapOvr>
+    <a:masterClrMapping/>
+  </p:clrMapOvr>
+</p:sld>
+</file>
+
+<file path=ppt/slides/slide14.xml><?xml version="1.0" encoding="utf-8"?>
+<p:sld xmlns:a="http://schemas.openxmlformats.org/drawingml/2006/main" xmlns:r="http://schemas.openxmlformats.org/officeDocument/2006/relationships" xmlns:p="http://schemas.openxmlformats.org/presentationml/2006/main">
+  <p:cSld>
+    <p:spTree>
+      <p:nvGrpSpPr>
+        <p:cNvPr id="1" name=""/>
+        <p:cNvGrpSpPr/>
+        <p:nvPr/>
+      </p:nvGrpSpPr>
+      <p:grpSpPr>
+        <a:xfrm>
+          <a:off x="0" y="0"/>
+          <a:ext cx="0" cy="0"/>
+          <a:chOff x="0" y="0"/>
+          <a:chExt cx="0" cy="0"/>
+        </a:xfrm>
+      </p:grpSpPr>
+      <p:sp>
+        <p:nvSpPr>
+          <p:cNvPr id="2" name="標題 1">
+            <a:extLst>
+              <a:ext uri="{FF2B5EF4-FFF2-40B4-BE49-F238E27FC236}">
+                <a16:creationId xmlns:a16="http://schemas.microsoft.com/office/drawing/2014/main" id="{A9565CC7-7E17-4F92-9819-B52904D92F42}"/>
+              </a:ext>
+            </a:extLst>
+          </p:cNvPr>
+          <p:cNvSpPr>
+            <a:spLocks noGrp="1"/>
+          </p:cNvSpPr>
+          <p:nvPr>
+            <p:ph type="title"/>
+          </p:nvPr>
+        </p:nvSpPr>
+        <p:spPr/>
+        <p:txBody>
+          <a:bodyPr/>
+          <a:lstStyle/>
+          <a:p>
+            <a:r>
+              <a:rPr lang="en-US" altLang="zh-TW" dirty="0"/>
+              <a:t>Evolving Role of Artificial Intelligence in Radiological Imaging</a:t>
+            </a:r>
+            <a:endParaRPr lang="zh-TW" altLang="en-US" dirty="0"/>
+          </a:p>
+        </p:txBody>
+      </p:sp>
+      <p:sp>
+        <p:nvSpPr>
+          <p:cNvPr id="3" name="內容版面配置區 2">
+            <a:extLst>
+              <a:ext uri="{FF2B5EF4-FFF2-40B4-BE49-F238E27FC236}">
+                <a16:creationId xmlns:a16="http://schemas.microsoft.com/office/drawing/2014/main" id="{40B4121E-9880-43C8-A182-4F27246E1FA4}"/>
+              </a:ext>
+            </a:extLst>
+          </p:cNvPr>
+          <p:cNvSpPr>
+            <a:spLocks noGrp="1"/>
+          </p:cNvSpPr>
+          <p:nvPr>
+            <p:ph idx="1"/>
+          </p:nvPr>
+        </p:nvSpPr>
+        <p:spPr>
+          <a:xfrm>
+            <a:off x="457200" y="2204864"/>
+            <a:ext cx="8229600" cy="3921299"/>
+          </a:xfrm>
+        </p:spPr>
+        <p:txBody>
+          <a:bodyPr/>
+          <a:lstStyle/>
+          <a:p>
+            <a:r>
+              <a:rPr lang="en-US" altLang="zh-TW" dirty="0">
+                <a:hlinkClick r:id="rId2"/>
+              </a:rPr>
+              <a:t>https://www.fda.gov/media/122535/download</a:t>
+            </a:r>
+            <a:endParaRPr lang="en-US" altLang="zh-TW" dirty="0"/>
+          </a:p>
+          <a:p>
+            <a:endParaRPr lang="en-US" altLang="zh-TW" dirty="0"/>
+          </a:p>
+          <a:p>
+            <a:r>
+              <a:rPr lang="en-US" altLang="zh-TW" dirty="0"/>
+              <a:t>https://www.fda.gov/medical-devices/workshops-conferences-medical-devices/public-workshop-evolving-role-artificial-intelligence-radiological-imaging-02252020-02262020</a:t>
+            </a:r>
+            <a:endParaRPr lang="zh-TW" altLang="en-US" dirty="0"/>
+          </a:p>
+        </p:txBody>
+      </p:sp>
+    </p:spTree>
+    <p:extLst>
+      <p:ext uri="{BB962C8B-B14F-4D97-AF65-F5344CB8AC3E}">
+        <p14:creationId xmlns:p14="http://schemas.microsoft.com/office/powerpoint/2010/main" val="2039233762"/>
+      </p:ext>
+    </p:extLst>
+  </p:cSld>
+  <p:clrMapOvr>
+    <a:masterClrMapping/>
+  </p:clrMapOvr>
+</p:sld>
+</file>
+
+<file path=ppt/slides/slide15.xml><?xml version="1.0" encoding="utf-8"?>
+<p:sld xmlns:a="http://schemas.openxmlformats.org/drawingml/2006/main" xmlns:r="http://schemas.openxmlformats.org/officeDocument/2006/relationships" xmlns:p="http://schemas.openxmlformats.org/presentationml/2006/main">
+  <p:cSld>
+    <p:spTree>
+      <p:nvGrpSpPr>
+        <p:cNvPr id="1" name=""/>
+        <p:cNvGrpSpPr/>
+        <p:nvPr/>
+      </p:nvGrpSpPr>
+      <p:grpSpPr>
+        <a:xfrm>
+          <a:off x="0" y="0"/>
+          <a:ext cx="0" cy="0"/>
+          <a:chOff x="0" y="0"/>
+          <a:chExt cx="0" cy="0"/>
+        </a:xfrm>
+      </p:grpSpPr>
+      <p:sp>
+        <p:nvSpPr>
+          <p:cNvPr id="2" name="標題 1">
+            <a:extLst>
+              <a:ext uri="{FF2B5EF4-FFF2-40B4-BE49-F238E27FC236}">
+                <a16:creationId xmlns:a16="http://schemas.microsoft.com/office/drawing/2014/main" id="{476F925B-CD18-4925-9042-6668F5049825}"/>
+              </a:ext>
+            </a:extLst>
+          </p:cNvPr>
+          <p:cNvSpPr>
+            <a:spLocks noGrp="1"/>
+          </p:cNvSpPr>
+          <p:nvPr>
+            <p:ph type="title"/>
+          </p:nvPr>
+        </p:nvSpPr>
+        <p:spPr/>
+        <p:txBody>
+          <a:bodyPr/>
+          <a:lstStyle/>
+          <a:p>
+            <a:endParaRPr lang="zh-TW" altLang="en-US"/>
+          </a:p>
+        </p:txBody>
+      </p:sp>
+      <p:sp>
+        <p:nvSpPr>
+          <p:cNvPr id="3" name="內容版面配置區 2">
+            <a:extLst>
+              <a:ext uri="{FF2B5EF4-FFF2-40B4-BE49-F238E27FC236}">
+                <a16:creationId xmlns:a16="http://schemas.microsoft.com/office/drawing/2014/main" id="{2A6A369E-F113-418C-A447-F014DBDD27F1}"/>
+              </a:ext>
+            </a:extLst>
+          </p:cNvPr>
+          <p:cNvSpPr>
+            <a:spLocks noGrp="1"/>
+          </p:cNvSpPr>
+          <p:nvPr>
+            <p:ph idx="1"/>
+          </p:nvPr>
+        </p:nvSpPr>
+        <p:spPr/>
+        <p:txBody>
+          <a:bodyPr/>
+          <a:lstStyle/>
+          <a:p>
+            <a:endParaRPr lang="zh-TW" altLang="en-US"/>
+          </a:p>
+        </p:txBody>
+      </p:sp>
+    </p:spTree>
+    <p:extLst>
+      <p:ext uri="{BB962C8B-B14F-4D97-AF65-F5344CB8AC3E}">
+        <p14:creationId xmlns:p14="http://schemas.microsoft.com/office/powerpoint/2010/main" val="1731175439"/>
+      </p:ext>
+    </p:extLst>
+  </p:cSld>
+  <p:clrMapOvr>
+    <a:masterClrMapping/>
+  </p:clrMapOvr>
 </p:sld>
 </file>
 
@@ -3687,11 +4252,11 @@
           <a:lstStyle/>
           <a:p>
             <a:r>
-              <a:rPr lang="zh-TW" altLang="en-US" dirty="0" smtClean="0"/>
+              <a:rPr lang="zh-TW" altLang="en-US" dirty="0"/>
               <a:t>類比訊號</a:t>
             </a:r>
             <a:r>
-              <a:rPr lang="en-US" altLang="zh-TW" dirty="0" smtClean="0"/>
+              <a:rPr lang="en-US" altLang="zh-TW" dirty="0"/>
               <a:t>(analog signal)</a:t>
             </a:r>
             <a:endParaRPr lang="zh-TW" altLang="en-US" dirty="0"/>
@@ -3721,62 +4286,38 @@
           <a:lstStyle/>
           <a:p>
             <a:r>
-              <a:rPr lang="zh-TW" altLang="en-US" sz="2400" dirty="0" smtClean="0"/>
-              <a:t>傳統物理</a:t>
-            </a:r>
-            <a:r>
               <a:rPr lang="zh-TW" altLang="en-US" sz="2400" dirty="0"/>
-              <a:t>及</a:t>
-            </a:r>
-            <a:r>
-              <a:rPr lang="zh-TW" altLang="en-US" sz="2400" dirty="0" smtClean="0"/>
-              <a:t>化學</a:t>
-            </a:r>
-            <a:r>
-              <a:rPr lang="zh-TW" altLang="en-US" sz="2400" dirty="0"/>
-              <a:t>可</a:t>
-            </a:r>
-            <a:r>
-              <a:rPr lang="zh-TW" altLang="en-US" sz="2400" dirty="0" smtClean="0"/>
-              <a:t>被</a:t>
-            </a:r>
-            <a:r>
-              <a:rPr lang="zh-TW" altLang="en-US" sz="2400" dirty="0"/>
-              <a:t>測量對</a:t>
-            </a:r>
-            <a:r>
-              <a:rPr lang="zh-TW" altLang="en-US" sz="2400" dirty="0" smtClean="0"/>
-              <a:t>變化量</a:t>
-            </a:r>
-            <a:endParaRPr lang="en-US" altLang="zh-TW" sz="2400" dirty="0" smtClean="0"/>
+              <a:t>物理及化學可被測量對變化量</a:t>
+            </a:r>
+            <a:endParaRPr lang="en-US" altLang="zh-TW" sz="2400" dirty="0"/>
           </a:p>
           <a:p>
             <a:pPr lvl="1"/>
             <a:r>
-              <a:rPr lang="zh-TW" altLang="en-US" sz="2000" dirty="0" smtClean="0"/>
+              <a:rPr lang="zh-TW" altLang="en-US" sz="2000" dirty="0"/>
               <a:t>溫度、亮度、電壓、聲音</a:t>
             </a:r>
-            <a:endParaRPr lang="en-US" altLang="zh-TW" sz="2000" dirty="0" smtClean="0"/>
+            <a:endParaRPr lang="en-US" altLang="zh-TW" sz="2000" dirty="0"/>
           </a:p>
           <a:p>
             <a:pPr lvl="1"/>
             <a:r>
-              <a:rPr lang="zh-TW" altLang="en-US" sz="2000" dirty="0" smtClean="0"/>
+              <a:rPr lang="zh-TW" altLang="en-US" sz="2000" dirty="0"/>
               <a:t>分子濃度，如  </a:t>
             </a:r>
             <a:r>
-              <a:rPr lang="en-US" altLang="zh-TW" sz="2000" dirty="0" smtClean="0"/>
+              <a:rPr lang="en-US" altLang="zh-TW" sz="2000" dirty="0"/>
               <a:t>PPM</a:t>
             </a:r>
           </a:p>
           <a:p>
             <a:pPr lvl="2"/>
             <a:r>
-              <a:rPr lang="zh-TW" altLang="en-US" sz="1600" dirty="0" smtClean="0"/>
+              <a:rPr lang="zh-TW" altLang="en-US" sz="1600" dirty="0"/>
               <a:t>一升溶液中分子所佔毫克</a:t>
             </a:r>
             <a:r>
-              <a:rPr lang="en-US" altLang="zh-TW" sz="1600" dirty="0" smtClean="0"/>
+              <a:rPr lang="en-US" altLang="zh-TW" sz="1600" dirty="0"/>
               <a:t>(mg)</a:t>
             </a:r>
           </a:p>
@@ -3786,27 +4327,22 @@
               <a:rPr lang="en-US" altLang="zh-TW" sz="1200" dirty="0"/>
               <a:t>https://tw.answers.yahoo.com/question/index?qid=20110507000015KK18991</a:t>
             </a:r>
-            <a:endParaRPr lang="en-US" altLang="zh-TW" sz="1200" dirty="0" smtClean="0"/>
           </a:p>
           <a:p>
             <a:pPr lvl="1"/>
             <a:r>
               <a:rPr lang="zh-TW" altLang="en-US" sz="2000" dirty="0"/>
-              <a:t>訊號值可以是連續變化</a:t>
-            </a:r>
-            <a:r>
-              <a:rPr lang="zh-TW" altLang="en-US" sz="2000" dirty="0" smtClean="0"/>
-              <a:t>的</a:t>
-            </a:r>
-            <a:endParaRPr lang="en-US" altLang="zh-TW" sz="2000" dirty="0" smtClean="0"/>
+              <a:t>訊號值可以是連續變化的</a:t>
+            </a:r>
+            <a:endParaRPr lang="en-US" altLang="zh-TW" sz="2000" dirty="0"/>
           </a:p>
           <a:p>
             <a:pPr lvl="1"/>
             <a:r>
-              <a:rPr lang="zh-TW" altLang="en-US" sz="2000" dirty="0" smtClean="0"/>
+              <a:rPr lang="zh-TW" altLang="en-US" sz="2000" dirty="0"/>
               <a:t>數值為實數</a:t>
             </a:r>
-            <a:endParaRPr lang="en-US" altLang="zh-TW" sz="2000" dirty="0" smtClean="0"/>
+            <a:endParaRPr lang="en-US" altLang="zh-TW" sz="2000" dirty="0"/>
           </a:p>
           <a:p>
             <a:endParaRPr lang="en-US" altLang="zh-TW" sz="2400" dirty="0"/>
@@ -3826,13 +4362,6 @@
   <p:clrMapOvr>
     <a:masterClrMapping/>
   </p:clrMapOvr>
-  <p:timing>
-    <p:tnLst>
-      <p:par>
-        <p:cTn id="1" dur="indefinite" restart="never" nodeType="tmRoot"/>
-      </p:par>
-    </p:tnLst>
-  </p:timing>
 </p:sld>
 </file>
 
@@ -3869,11 +4398,11 @@
           <a:lstStyle/>
           <a:p>
             <a:r>
-              <a:rPr lang="zh-TW" altLang="en-US" dirty="0" smtClean="0"/>
+              <a:rPr lang="zh-TW" altLang="en-US" dirty="0"/>
               <a:t>感應器</a:t>
             </a:r>
             <a:r>
-              <a:rPr lang="en-US" altLang="zh-TW" dirty="0" smtClean="0"/>
+              <a:rPr lang="en-US" altLang="zh-TW" dirty="0"/>
               <a:t>(sensor)</a:t>
             </a:r>
             <a:endParaRPr lang="zh-TW" altLang="en-US" dirty="0"/>
@@ -3896,71 +4425,66 @@
           <a:lstStyle/>
           <a:p>
             <a:r>
-              <a:rPr lang="zh-TW" altLang="en-US" dirty="0" smtClean="0"/>
+              <a:rPr lang="zh-TW" altLang="en-US" dirty="0"/>
               <a:t>感應</a:t>
             </a:r>
             <a:r>
-              <a:rPr lang="en-US" altLang="zh-TW" dirty="0" smtClean="0"/>
+              <a:rPr lang="en-US" altLang="zh-TW" dirty="0"/>
               <a:t>(</a:t>
             </a:r>
             <a:r>
-              <a:rPr lang="zh-TW" altLang="en-US" dirty="0" smtClean="0"/>
+              <a:rPr lang="zh-TW" altLang="en-US" dirty="0"/>
               <a:t>量測</a:t>
             </a:r>
             <a:r>
-              <a:rPr lang="en-US" altLang="zh-TW" dirty="0" smtClean="0"/>
+              <a:rPr lang="en-US" altLang="zh-TW" dirty="0"/>
               <a:t>)</a:t>
             </a:r>
             <a:r>
-              <a:rPr lang="zh-TW" altLang="en-US" dirty="0" smtClean="0"/>
+              <a:rPr lang="zh-TW" altLang="en-US" dirty="0"/>
               <a:t>物理或化學特質變化量</a:t>
             </a:r>
-            <a:endParaRPr lang="en-US" altLang="zh-TW" dirty="0" smtClean="0"/>
+            <a:endParaRPr lang="en-US" altLang="zh-TW" dirty="0"/>
           </a:p>
           <a:p>
             <a:pPr lvl="1"/>
             <a:r>
-              <a:rPr lang="zh-TW" altLang="en-US" dirty="0" smtClean="0"/>
+              <a:rPr lang="zh-TW" altLang="en-US" dirty="0"/>
               <a:t>如溫度、壓力、離子濃度、</a:t>
             </a:r>
             <a:r>
-              <a:rPr lang="en-US" altLang="zh-TW" dirty="0" smtClean="0"/>
+              <a:rPr lang="en-US" altLang="zh-TW" dirty="0"/>
               <a:t>PH</a:t>
             </a:r>
             <a:r>
-              <a:rPr lang="zh-TW" altLang="en-US" dirty="0" smtClean="0"/>
+              <a:rPr lang="zh-TW" altLang="en-US" dirty="0"/>
               <a:t>值等</a:t>
             </a:r>
-            <a:endParaRPr lang="en-US" altLang="zh-TW" dirty="0" smtClean="0"/>
+            <a:endParaRPr lang="en-US" altLang="zh-TW" dirty="0"/>
           </a:p>
           <a:p>
             <a:pPr lvl="1"/>
             <a:r>
-              <a:rPr lang="zh-TW" altLang="en-US" dirty="0" smtClean="0"/>
+              <a:rPr lang="zh-TW" altLang="en-US" dirty="0"/>
               <a:t>常將其轉換成電壓，如</a:t>
             </a:r>
             <a:r>
-              <a:rPr lang="en-US" altLang="zh-TW" dirty="0" smtClean="0"/>
+              <a:rPr lang="en-US" altLang="zh-TW" dirty="0"/>
               <a:t>:</a:t>
             </a:r>
           </a:p>
           <a:p>
             <a:pPr lvl="2"/>
             <a:r>
-              <a:rPr lang="en-US" altLang="zh-TW" dirty="0" smtClean="0"/>
+              <a:rPr lang="en-US" altLang="zh-TW" dirty="0"/>
               <a:t>Co2  sensor</a:t>
             </a:r>
-            <a:endParaRPr lang="en-US" altLang="zh-TW" dirty="0"/>
           </a:p>
           <a:p>
             <a:pPr lvl="3"/>
             <a:r>
               <a:rPr lang="en-US" altLang="zh-TW" dirty="0"/>
-              <a:t>https://</a:t>
-            </a:r>
-            <a:r>
-              <a:rPr lang="en-US" altLang="zh-TW" dirty="0" smtClean="0"/>
-              <a:t>www.co2meter.com/products/k-30-co2-sensor-module</a:t>
+              <a:t>https://www.co2meter.com/products/k-30-co2-sensor-module</a:t>
             </a:r>
           </a:p>
           <a:p>
@@ -3969,7 +4493,7 @@
               <a:rPr lang="zh-TW" altLang="en-US" dirty="0"/>
               <a:t>壓力感測器</a:t>
             </a:r>
-            <a:endParaRPr lang="en-US" altLang="zh-TW" dirty="0" smtClean="0"/>
+            <a:endParaRPr lang="en-US" altLang="zh-TW" dirty="0"/>
           </a:p>
           <a:p>
             <a:pPr lvl="3"/>
@@ -3977,7 +4501,6 @@
               <a:rPr lang="en-US" altLang="zh-TW" dirty="0"/>
               <a:t>http://yehnan.blogspot.com/2013/09/arduinoforce-sensitive-resistor.html</a:t>
             </a:r>
-            <a:endParaRPr lang="en-US" altLang="zh-TW" dirty="0" smtClean="0"/>
           </a:p>
           <a:p>
             <a:pPr lvl="1"/>
@@ -3999,13 +4522,6 @@
   <p:clrMapOvr>
     <a:masterClrMapping/>
   </p:clrMapOvr>
-  <p:timing>
-    <p:tnLst>
-      <p:par>
-        <p:cTn id="1" dur="indefinite" restart="never" nodeType="tmRoot"/>
-      </p:par>
-    </p:tnLst>
-  </p:timing>
 </p:sld>
 </file>
 
@@ -4043,149 +4559,129 @@
           <a:p>
             <a:r>
               <a:rPr lang="zh-TW" altLang="en-US" dirty="0"/>
-              <a:t>類比轉換數位</a:t>
-            </a:r>
-            <a:r>
-              <a:rPr lang="zh-TW" altLang="en-US" dirty="0" smtClean="0"/>
-              <a:t>資料過程</a:t>
-            </a:r>
+              <a:t>訊號擷取及分析處理</a:t>
+            </a:r>
+          </a:p>
+        </p:txBody>
+      </p:sp>
+      <p:sp>
+        <p:nvSpPr>
+          <p:cNvPr id="3" name="內容版面配置區 2"/>
+          <p:cNvSpPr>
+            <a:spLocks noGrp="1"/>
+          </p:cNvSpPr>
+          <p:nvPr>
+            <p:ph idx="1"/>
+          </p:nvPr>
+        </p:nvSpPr>
+        <p:spPr/>
+        <p:txBody>
+          <a:bodyPr/>
+          <a:lstStyle/>
+          <a:p>
             <a:r>
               <a:rPr lang="zh-TW" altLang="en-US" dirty="0"/>
-              <a:t/>
-            </a:r>
-            <a:br>
+              <a:t>感測裝置</a:t>
+            </a:r>
+            <a:r>
+              <a:rPr lang="en-US" altLang="zh-TW" dirty="0"/>
+              <a:t>(sensor)</a:t>
+            </a:r>
+            <a:r>
               <a:rPr lang="zh-TW" altLang="en-US" dirty="0"/>
-            </a:br>
-            <a:endParaRPr lang="zh-TW" altLang="en-US" dirty="0"/>
-          </a:p>
-        </p:txBody>
-      </p:sp>
-      <p:sp>
-        <p:nvSpPr>
-          <p:cNvPr id="3" name="內容版面配置區 2"/>
-          <p:cNvSpPr>
-            <a:spLocks noGrp="1"/>
-          </p:cNvSpPr>
-          <p:nvPr>
-            <p:ph idx="1"/>
-          </p:nvPr>
-        </p:nvSpPr>
-        <p:spPr/>
-        <p:txBody>
-          <a:bodyPr/>
-          <a:lstStyle/>
-          <a:p>
-            <a:r>
-              <a:rPr lang="en-US" altLang="zh-TW" dirty="0" smtClean="0"/>
-              <a:t>sensor</a:t>
-            </a:r>
-            <a:r>
-              <a:rPr lang="zh-TW" altLang="en-US" dirty="0" smtClean="0"/>
-              <a:t> 量測物理或化學訊號，產生類比電壓</a:t>
-            </a:r>
-            <a:endParaRPr lang="en-US" altLang="zh-TW" dirty="0" smtClean="0"/>
+              <a:t> 量測物理或化學訊號，產生</a:t>
+            </a:r>
+            <a:r>
+              <a:rPr lang="zh-TW" altLang="en-US" b="1" dirty="0">
+                <a:solidFill>
+                  <a:srgbClr val="FF0000"/>
+                </a:solidFill>
+              </a:rPr>
+              <a:t>類比電壓</a:t>
+            </a:r>
+            <a:endParaRPr lang="en-US" altLang="zh-TW" b="1" dirty="0">
+              <a:solidFill>
+                <a:srgbClr val="FF0000"/>
+              </a:solidFill>
+            </a:endParaRPr>
+          </a:p>
+          <a:p>
+            <a:endParaRPr lang="en-US" altLang="zh-TW" dirty="0"/>
+          </a:p>
+          <a:p>
+            <a:r>
+              <a:rPr lang="zh-TW" altLang="en-US" dirty="0"/>
+              <a:t>電壓放大器放大訊號</a:t>
+            </a:r>
+            <a:endParaRPr lang="en-US" altLang="zh-TW" dirty="0"/>
+          </a:p>
+          <a:p>
+            <a:endParaRPr lang="en-US" altLang="zh-TW" dirty="0"/>
+          </a:p>
+          <a:p>
+            <a:r>
+              <a:rPr lang="zh-TW" altLang="en-US" dirty="0"/>
+              <a:t>類比轉數位訊號 </a:t>
+            </a:r>
+            <a:r>
+              <a:rPr lang="en-US" altLang="zh-TW" dirty="0"/>
+              <a:t>Analog-to-digital(AD)</a:t>
+            </a:r>
+          </a:p>
+          <a:p>
+            <a:r>
+              <a:rPr lang="zh-TW" altLang="en-US" dirty="0"/>
+              <a:t>數位訊號處理</a:t>
+            </a:r>
+            <a:endParaRPr lang="en-US" altLang="zh-TW" dirty="0"/>
           </a:p>
           <a:p>
             <a:pPr lvl="1"/>
             <a:r>
-              <a:rPr lang="zh-TW" altLang="en-US" dirty="0" smtClean="0"/>
-              <a:t>通常電壓很小</a:t>
-            </a:r>
-            <a:endParaRPr lang="en-US" altLang="zh-TW" dirty="0" smtClean="0"/>
-          </a:p>
-          <a:p>
-            <a:endParaRPr lang="en-US" altLang="zh-TW" dirty="0" smtClean="0"/>
-          </a:p>
-          <a:p>
-            <a:r>
-              <a:rPr lang="zh-TW" altLang="en-US" dirty="0" smtClean="0"/>
-              <a:t>經電壓放大器</a:t>
-            </a:r>
-            <a:r>
-              <a:rPr lang="en-US" altLang="zh-TW" dirty="0"/>
-              <a:t>(voltage </a:t>
-            </a:r>
-            <a:r>
-              <a:rPr lang="en-US" altLang="zh-TW" dirty="0" smtClean="0"/>
-              <a:t>amplifier)</a:t>
-            </a:r>
-            <a:r>
-              <a:rPr lang="zh-TW" altLang="en-US" dirty="0" smtClean="0"/>
-              <a:t>放大</a:t>
-            </a:r>
-            <a:endParaRPr lang="en-US" altLang="zh-TW" dirty="0" smtClean="0"/>
-          </a:p>
-          <a:p>
-            <a:pPr lvl="1"/>
+              <a:rPr lang="zh-TW" altLang="en-US" b="1" dirty="0">
+                <a:solidFill>
+                  <a:srgbClr val="FF0000"/>
+                </a:solidFill>
+              </a:rPr>
+              <a:t>解讀資料</a:t>
+            </a:r>
             <a:r>
               <a:rPr lang="zh-TW" altLang="en-US" dirty="0"/>
-              <a:t>放到到電子電路常用工作</a:t>
-            </a:r>
-            <a:r>
-              <a:rPr lang="zh-TW" altLang="en-US" dirty="0" smtClean="0"/>
-              <a:t>範圍</a:t>
-            </a:r>
-            <a:endParaRPr lang="en-US" altLang="zh-TW" dirty="0" smtClean="0"/>
-          </a:p>
-          <a:p>
-            <a:pPr lvl="2"/>
-            <a:r>
-              <a:rPr lang="zh-TW" altLang="en-US" dirty="0" smtClean="0"/>
-              <a:t>如 </a:t>
-            </a:r>
-            <a:r>
-              <a:rPr lang="en-US" altLang="zh-TW" dirty="0" smtClean="0"/>
-              <a:t>+5V</a:t>
-            </a:r>
-            <a:r>
-              <a:rPr lang="zh-TW" altLang="en-US" dirty="0" smtClean="0"/>
-              <a:t>到</a:t>
-            </a:r>
-            <a:r>
-              <a:rPr lang="en-US" altLang="zh-TW" dirty="0" smtClean="0"/>
-              <a:t>-5V</a:t>
-            </a:r>
-          </a:p>
-          <a:p>
-            <a:pPr lvl="2"/>
-            <a:endParaRPr lang="en-US" altLang="zh-TW" dirty="0" smtClean="0"/>
-          </a:p>
-          <a:p>
-            <a:r>
-              <a:rPr lang="zh-TW" altLang="en-US" dirty="0" smtClean="0"/>
-              <a:t>類比專數位訊號 </a:t>
-            </a:r>
-            <a:r>
-              <a:rPr lang="en-US" altLang="zh-TW" dirty="0" smtClean="0"/>
-              <a:t>Analog-to-digital(AD) http</a:t>
-            </a:r>
-            <a:r>
-              <a:rPr lang="en-US" altLang="zh-TW" dirty="0"/>
-              <a:t>://wiki.csie.ncku.edu.tw/embedded/ADC</a:t>
-            </a:r>
-          </a:p>
-          <a:p>
-            <a:endParaRPr lang="zh-TW" altLang="en-US" dirty="0"/>
+              <a:t>、濾波、</a:t>
+            </a:r>
+            <a:r>
+              <a:rPr lang="zh-TW" altLang="en-US" b="1" dirty="0">
+                <a:solidFill>
+                  <a:srgbClr val="FF0000"/>
+                </a:solidFill>
+              </a:rPr>
+              <a:t>正規化</a:t>
+            </a:r>
+            <a:r>
+              <a:rPr lang="zh-TW" altLang="en-US" dirty="0"/>
+              <a:t>、分析、及</a:t>
+            </a:r>
+            <a:r>
+              <a:rPr lang="zh-TW" altLang="en-US" b="1" dirty="0">
+                <a:solidFill>
+                  <a:srgbClr val="FF0000"/>
+                </a:solidFill>
+              </a:rPr>
+              <a:t>呈現</a:t>
+            </a:r>
           </a:p>
         </p:txBody>
       </p:sp>
     </p:spTree>
     <p:extLst>
       <p:ext uri="{BB962C8B-B14F-4D97-AF65-F5344CB8AC3E}">
-        <p14:creationId xmlns:p14="http://schemas.microsoft.com/office/powerpoint/2010/main" val="1396842254"/>
+        <p14:creationId xmlns:p14="http://schemas.microsoft.com/office/powerpoint/2010/main" val="3652644502"/>
       </p:ext>
     </p:extLst>
   </p:cSld>
   <p:clrMapOvr>
     <a:masterClrMapping/>
   </p:clrMapOvr>
-  <p:timing>
-    <p:tnLst>
-      <p:par>
-        <p:cTn id="1" dur="indefinite" restart="never" nodeType="tmRoot"/>
-      </p:par>
-    </p:tnLst>
-  </p:timing>
 </p:sld>
 </file>
 
@@ -4222,21 +4718,12 @@
           <a:lstStyle/>
           <a:p>
             <a:r>
-              <a:rPr lang="en-US" altLang="zh-TW" dirty="0" smtClean="0"/>
-              <a:t>AD </a:t>
-            </a:r>
-            <a:r>
               <a:rPr lang="zh-TW" altLang="en-US" dirty="0"/>
-              <a:t>轉換</a:t>
-            </a:r>
-            <a:r>
-              <a:rPr lang="zh-TW" altLang="en-US" dirty="0" smtClean="0"/>
-              <a:t>解析度</a:t>
-            </a:r>
-            <a:r>
-              <a:rPr lang="en-US" altLang="zh-TW" dirty="0" smtClean="0"/>
-              <a:t>(resolution)</a:t>
-            </a:r>
+              <a:t>類比轉換數位資料過程</a:t>
+            </a:r>
+            <a:br>
+              <a:rPr lang="zh-TW" altLang="en-US" dirty="0"/>
+            </a:br>
             <a:endParaRPr lang="zh-TW" altLang="en-US" dirty="0"/>
           </a:p>
         </p:txBody>
@@ -4257,75 +4744,83 @@
           <a:lstStyle/>
           <a:p>
             <a:r>
-              <a:rPr lang="zh-TW" altLang="en-US" dirty="0" smtClean="0"/>
-              <a:t>轉換數位資料等級</a:t>
-            </a:r>
-            <a:endParaRPr lang="en-US" altLang="zh-TW" dirty="0" smtClean="0"/>
+              <a:rPr lang="en-US" altLang="zh-TW" dirty="0"/>
+              <a:t>sensor</a:t>
+            </a:r>
+            <a:r>
+              <a:rPr lang="zh-TW" altLang="en-US" dirty="0"/>
+              <a:t> 量測物理或化學訊號，產生類比電壓</a:t>
+            </a:r>
+            <a:endParaRPr lang="en-US" altLang="zh-TW" dirty="0"/>
           </a:p>
           <a:p>
             <a:pPr lvl="1"/>
             <a:r>
-              <a:rPr lang="zh-TW" altLang="en-US" dirty="0" smtClean="0"/>
-              <a:t>如</a:t>
+              <a:rPr lang="zh-TW" altLang="en-US" dirty="0"/>
+              <a:t>通常電壓很小</a:t>
+            </a:r>
+            <a:endParaRPr lang="en-US" altLang="zh-TW" dirty="0"/>
+          </a:p>
+          <a:p>
+            <a:endParaRPr lang="en-US" altLang="zh-TW" dirty="0"/>
+          </a:p>
+          <a:p>
+            <a:r>
+              <a:rPr lang="zh-TW" altLang="en-US" dirty="0"/>
+              <a:t>經電壓放大器</a:t>
             </a:r>
             <a:r>
               <a:rPr lang="en-US" altLang="zh-TW" dirty="0"/>
-              <a:t>: 8 </a:t>
-            </a:r>
-            <a:r>
-              <a:rPr lang="en-US" altLang="zh-TW" dirty="0" smtClean="0"/>
-              <a:t>bit</a:t>
-            </a:r>
-            <a:r>
-              <a:rPr lang="zh-TW" altLang="en-US" dirty="0" smtClean="0"/>
-              <a:t>、</a:t>
-            </a:r>
-            <a:r>
-              <a:rPr lang="en-US" altLang="zh-TW" dirty="0" smtClean="0"/>
-              <a:t>10 bit</a:t>
-            </a:r>
-            <a:r>
-              <a:rPr lang="zh-TW" altLang="en-US" dirty="0" smtClean="0"/>
-              <a:t>、</a:t>
-            </a:r>
-            <a:r>
-              <a:rPr lang="en-US" altLang="zh-TW" dirty="0" smtClean="0"/>
-              <a:t>12bit....</a:t>
-            </a:r>
+              <a:t>(voltage amplifier)</a:t>
+            </a:r>
+            <a:r>
+              <a:rPr lang="zh-TW" altLang="en-US" dirty="0"/>
+              <a:t>放大</a:t>
+            </a:r>
+            <a:endParaRPr lang="en-US" altLang="zh-TW" dirty="0"/>
           </a:p>
           <a:p>
             <a:pPr lvl="1"/>
             <a:r>
               <a:rPr lang="zh-TW" altLang="en-US" dirty="0"/>
-              <a:t>市售</a:t>
-            </a:r>
-            <a:r>
-              <a:rPr lang="zh-TW" altLang="en-US" dirty="0" smtClean="0"/>
-              <a:t>之 </a:t>
-            </a:r>
-            <a:r>
-              <a:rPr lang="en-US" altLang="zh-TW" dirty="0" smtClean="0"/>
-              <a:t>AD</a:t>
-            </a:r>
-            <a:r>
-              <a:rPr lang="zh-TW" altLang="en-US" dirty="0" smtClean="0"/>
-              <a:t> </a:t>
+              <a:t>放到到電子電路常用工作範圍</a:t>
+            </a:r>
+            <a:endParaRPr lang="en-US" altLang="zh-TW" dirty="0"/>
+          </a:p>
+          <a:p>
+            <a:pPr lvl="2"/>
+            <a:r>
+              <a:rPr lang="zh-TW" altLang="en-US" dirty="0"/>
+              <a:t>如 </a:t>
             </a:r>
             <a:r>
               <a:rPr lang="en-US" altLang="zh-TW" dirty="0"/>
-              <a:t>converter</a:t>
+              <a:t>+5V</a:t>
+            </a:r>
+            <a:r>
+              <a:rPr lang="zh-TW" altLang="en-US" dirty="0"/>
+              <a:t>到</a:t>
+            </a:r>
+            <a:r>
+              <a:rPr lang="en-US" altLang="zh-TW" dirty="0"/>
+              <a:t>-5V</a:t>
             </a:r>
           </a:p>
           <a:p>
             <a:pPr lvl="2"/>
-            <a:r>
-              <a:rPr lang="en-US" altLang="zh-TW" dirty="0" smtClean="0"/>
-              <a:t>https</a:t>
+            <a:endParaRPr lang="en-US" altLang="zh-TW" dirty="0"/>
+          </a:p>
+          <a:p>
+            <a:r>
+              <a:rPr lang="zh-TW" altLang="en-US" dirty="0"/>
+              <a:t>類比轉數位訊號 </a:t>
             </a:r>
             <a:r>
               <a:rPr lang="en-US" altLang="zh-TW" dirty="0"/>
-              <a:t>://www.mouser.com/Semiconductors/Integrated-Circuits-ICs/Data-Converter-ICs/Analog-to-Digital-Converters-ADC/_/N-6j74v/?No=25</a:t>
-            </a:r>
+              <a:t>Analog-to-digital(AD) http://wiki.csie.ncku.edu.tw/embedded/ADC</a:t>
+            </a:r>
+          </a:p>
+          <a:p>
             <a:endParaRPr lang="zh-TW" altLang="en-US" dirty="0"/>
           </a:p>
         </p:txBody>
@@ -4333,20 +4828,13 @@
     </p:spTree>
     <p:extLst>
       <p:ext uri="{BB962C8B-B14F-4D97-AF65-F5344CB8AC3E}">
-        <p14:creationId xmlns:p14="http://schemas.microsoft.com/office/powerpoint/2010/main" val="350796193"/>
+        <p14:creationId xmlns:p14="http://schemas.microsoft.com/office/powerpoint/2010/main" val="1396842254"/>
       </p:ext>
     </p:extLst>
   </p:cSld>
   <p:clrMapOvr>
     <a:masterClrMapping/>
   </p:clrMapOvr>
-  <p:timing>
-    <p:tnLst>
-      <p:par>
-        <p:cTn id="1" dur="indefinite" restart="never" nodeType="tmRoot"/>
-      </p:par>
-    </p:tnLst>
-  </p:timing>
 </p:sld>
 </file>
 
@@ -4383,15 +4871,149 @@
           <a:lstStyle/>
           <a:p>
             <a:r>
+              <a:rPr lang="en-US" altLang="zh-TW" dirty="0"/>
+              <a:t>AD </a:t>
+            </a:r>
+            <a:r>
               <a:rPr lang="zh-TW" altLang="en-US" dirty="0"/>
-              <a:t>取樣</a:t>
-            </a:r>
-            <a:r>
-              <a:rPr lang="zh-TW" altLang="en-US" dirty="0" smtClean="0"/>
-              <a:t>頻率 </a:t>
-            </a:r>
-            <a:r>
-              <a:rPr lang="en-US" altLang="zh-TW" dirty="0" smtClean="0"/>
+              <a:t>轉換解析度</a:t>
+            </a:r>
+            <a:r>
+              <a:rPr lang="en-US" altLang="zh-TW" dirty="0"/>
+              <a:t>(resolution)</a:t>
+            </a:r>
+            <a:endParaRPr lang="zh-TW" altLang="en-US" dirty="0"/>
+          </a:p>
+        </p:txBody>
+      </p:sp>
+      <p:sp>
+        <p:nvSpPr>
+          <p:cNvPr id="3" name="內容版面配置區 2"/>
+          <p:cNvSpPr>
+            <a:spLocks noGrp="1"/>
+          </p:cNvSpPr>
+          <p:nvPr>
+            <p:ph idx="1"/>
+          </p:nvPr>
+        </p:nvSpPr>
+        <p:spPr/>
+        <p:txBody>
+          <a:bodyPr/>
+          <a:lstStyle/>
+          <a:p>
+            <a:r>
+              <a:rPr lang="zh-TW" altLang="en-US" dirty="0"/>
+              <a:t>轉換數位資料等級</a:t>
+            </a:r>
+            <a:endParaRPr lang="en-US" altLang="zh-TW" dirty="0"/>
+          </a:p>
+          <a:p>
+            <a:pPr lvl="1"/>
+            <a:r>
+              <a:rPr lang="zh-TW" altLang="en-US" dirty="0"/>
+              <a:t>如</a:t>
+            </a:r>
+            <a:r>
+              <a:rPr lang="en-US" altLang="zh-TW" dirty="0"/>
+              <a:t>: 8 bit</a:t>
+            </a:r>
+            <a:r>
+              <a:rPr lang="zh-TW" altLang="en-US" dirty="0"/>
+              <a:t>、</a:t>
+            </a:r>
+            <a:r>
+              <a:rPr lang="en-US" altLang="zh-TW" dirty="0"/>
+              <a:t>10 bit</a:t>
+            </a:r>
+            <a:r>
+              <a:rPr lang="zh-TW" altLang="en-US" dirty="0"/>
+              <a:t>、</a:t>
+            </a:r>
+            <a:r>
+              <a:rPr lang="en-US" altLang="zh-TW" dirty="0"/>
+              <a:t>12bit....</a:t>
+            </a:r>
+          </a:p>
+          <a:p>
+            <a:pPr lvl="1"/>
+            <a:r>
+              <a:rPr lang="zh-TW" altLang="en-US" dirty="0"/>
+              <a:t>市售之 </a:t>
+            </a:r>
+            <a:r>
+              <a:rPr lang="en-US" altLang="zh-TW" dirty="0"/>
+              <a:t>AD</a:t>
+            </a:r>
+            <a:r>
+              <a:rPr lang="zh-TW" altLang="en-US" dirty="0"/>
+              <a:t> </a:t>
+            </a:r>
+            <a:r>
+              <a:rPr lang="en-US" altLang="zh-TW" dirty="0"/>
+              <a:t>converter</a:t>
+            </a:r>
+          </a:p>
+          <a:p>
+            <a:pPr lvl="2"/>
+            <a:r>
+              <a:rPr lang="en-US" altLang="zh-TW" dirty="0"/>
+              <a:t>https://www.mouser.com/Semiconductors/Integrated-Circuits-ICs/Data-Converter-ICs/Analog-to-Digital-Converters-ADC/_/N-6j74v/?No=25</a:t>
+            </a:r>
+            <a:endParaRPr lang="zh-TW" altLang="en-US" dirty="0"/>
+          </a:p>
+        </p:txBody>
+      </p:sp>
+    </p:spTree>
+    <p:extLst>
+      <p:ext uri="{BB962C8B-B14F-4D97-AF65-F5344CB8AC3E}">
+        <p14:creationId xmlns:p14="http://schemas.microsoft.com/office/powerpoint/2010/main" val="350796193"/>
+      </p:ext>
+    </p:extLst>
+  </p:cSld>
+  <p:clrMapOvr>
+    <a:masterClrMapping/>
+  </p:clrMapOvr>
+</p:sld>
+</file>
+
+<file path=ppt/slides/slide7.xml><?xml version="1.0" encoding="utf-8"?>
+<p:sld xmlns:a="http://schemas.openxmlformats.org/drawingml/2006/main" xmlns:r="http://schemas.openxmlformats.org/officeDocument/2006/relationships" xmlns:p="http://schemas.openxmlformats.org/presentationml/2006/main">
+  <p:cSld>
+    <p:spTree>
+      <p:nvGrpSpPr>
+        <p:cNvPr id="1" name=""/>
+        <p:cNvGrpSpPr/>
+        <p:nvPr/>
+      </p:nvGrpSpPr>
+      <p:grpSpPr>
+        <a:xfrm>
+          <a:off x="0" y="0"/>
+          <a:ext cx="0" cy="0"/>
+          <a:chOff x="0" y="0"/>
+          <a:chExt cx="0" cy="0"/>
+        </a:xfrm>
+      </p:grpSpPr>
+      <p:sp>
+        <p:nvSpPr>
+          <p:cNvPr id="2" name="標題 1"/>
+          <p:cNvSpPr>
+            <a:spLocks noGrp="1"/>
+          </p:cNvSpPr>
+          <p:nvPr>
+            <p:ph type="title"/>
+          </p:nvPr>
+        </p:nvSpPr>
+        <p:spPr/>
+        <p:txBody>
+          <a:bodyPr/>
+          <a:lstStyle/>
+          <a:p>
+            <a:r>
+              <a:rPr lang="zh-TW" altLang="en-US" dirty="0"/>
+              <a:t>取樣頻率 </a:t>
+            </a:r>
+            <a:r>
+              <a:rPr lang="en-US" altLang="zh-TW" dirty="0"/>
               <a:t>(Sample rate)</a:t>
             </a:r>
             <a:endParaRPr lang="zh-TW" altLang="en-US" dirty="0"/>
@@ -4414,18 +5036,18 @@
           <a:lstStyle/>
           <a:p>
             <a:r>
-              <a:rPr lang="zh-TW" altLang="en-US" dirty="0" smtClean="0"/>
+              <a:rPr lang="zh-TW" altLang="en-US" dirty="0"/>
               <a:t>隨時間變化之訊號，每秒取多少個數值</a:t>
             </a:r>
-            <a:endParaRPr lang="en-US" altLang="zh-TW" dirty="0" smtClean="0"/>
+            <a:endParaRPr lang="en-US" altLang="zh-TW" dirty="0"/>
           </a:p>
           <a:p>
             <a:pPr lvl="1"/>
             <a:r>
-              <a:rPr lang="zh-TW" altLang="en-US" dirty="0" smtClean="0"/>
+              <a:rPr lang="zh-TW" altLang="en-US" dirty="0"/>
               <a:t>如心電圖、音波等</a:t>
             </a:r>
-            <a:endParaRPr lang="en-US" altLang="zh-TW" dirty="0" smtClean="0"/>
+            <a:endParaRPr lang="en-US" altLang="zh-TW" dirty="0"/>
           </a:p>
           <a:p>
             <a:endParaRPr lang="zh-TW" altLang="en-US" dirty="0"/>
@@ -4496,17 +5118,10 @@
   <p:clrMapOvr>
     <a:masterClrMapping/>
   </p:clrMapOvr>
-  <p:timing>
-    <p:tnLst>
-      <p:par>
-        <p:cTn id="1" dur="indefinite" restart="never" nodeType="tmRoot"/>
-      </p:par>
-    </p:tnLst>
-  </p:timing>
 </p:sld>
 </file>
 
-<file path=ppt/slides/slide7.xml><?xml version="1.0" encoding="utf-8"?>
+<file path=ppt/slides/slide8.xml><?xml version="1.0" encoding="utf-8"?>
 <p:sld xmlns:a="http://schemas.openxmlformats.org/drawingml/2006/main" xmlns:r="http://schemas.openxmlformats.org/officeDocument/2006/relationships" xmlns:p="http://schemas.openxmlformats.org/presentationml/2006/main">
   <p:cSld>
     <p:spTree>
@@ -4539,14 +5154,13 @@
           <a:lstStyle/>
           <a:p>
             <a:r>
-              <a:rPr lang="en-US" altLang="zh-TW" dirty="0" smtClean="0"/>
+              <a:rPr lang="en-US" altLang="zh-TW" dirty="0"/>
               <a:t>EKG </a:t>
             </a:r>
             <a:r>
-              <a:rPr lang="zh-TW" altLang="en-US" dirty="0" smtClean="0"/>
+              <a:rPr lang="zh-TW" altLang="en-US" dirty="0"/>
               <a:t>數位化範例</a:t>
             </a:r>
-            <a:endParaRPr lang="zh-TW" altLang="en-US" dirty="0"/>
           </a:p>
         </p:txBody>
       </p:sp>
@@ -4638,105 +5252,6 @@
   <p:clrMapOvr>
     <a:masterClrMapping/>
   </p:clrMapOvr>
-  <p:timing>
-    <p:tnLst>
-      <p:par>
-        <p:cTn id="1" dur="indefinite" restart="never" nodeType="tmRoot"/>
-      </p:par>
-    </p:tnLst>
-  </p:timing>
-</p:sld>
-</file>
-
-<file path=ppt/slides/slide8.xml><?xml version="1.0" encoding="utf-8"?>
-<p:sld xmlns:a="http://schemas.openxmlformats.org/drawingml/2006/main" xmlns:r="http://schemas.openxmlformats.org/officeDocument/2006/relationships" xmlns:p="http://schemas.openxmlformats.org/presentationml/2006/main">
-  <p:cSld>
-    <p:spTree>
-      <p:nvGrpSpPr>
-        <p:cNvPr id="1" name=""/>
-        <p:cNvGrpSpPr/>
-        <p:nvPr/>
-      </p:nvGrpSpPr>
-      <p:grpSpPr>
-        <a:xfrm>
-          <a:off x="0" y="0"/>
-          <a:ext cx="0" cy="0"/>
-          <a:chOff x="0" y="0"/>
-          <a:chExt cx="0" cy="0"/>
-        </a:xfrm>
-      </p:grpSpPr>
-      <p:sp>
-        <p:nvSpPr>
-          <p:cNvPr id="2" name="標題 1"/>
-          <p:cNvSpPr>
-            <a:spLocks noGrp="1"/>
-          </p:cNvSpPr>
-          <p:nvPr>
-            <p:ph type="title"/>
-          </p:nvPr>
-        </p:nvSpPr>
-        <p:spPr/>
-        <p:txBody>
-          <a:bodyPr/>
-          <a:lstStyle/>
-          <a:p>
-            <a:r>
-              <a:rPr lang="en-US" altLang="zh-TW" dirty="0"/>
-              <a:t>MIT-BIH Arrhythmia Database</a:t>
-            </a:r>
-            <a:endParaRPr lang="zh-TW" altLang="en-US" dirty="0"/>
-          </a:p>
-        </p:txBody>
-      </p:sp>
-      <p:sp>
-        <p:nvSpPr>
-          <p:cNvPr id="3" name="內容版面配置區 2"/>
-          <p:cNvSpPr>
-            <a:spLocks noGrp="1"/>
-          </p:cNvSpPr>
-          <p:nvPr>
-            <p:ph idx="1"/>
-          </p:nvPr>
-        </p:nvSpPr>
-        <p:spPr/>
-        <p:txBody>
-          <a:bodyPr/>
-          <a:lstStyle/>
-          <a:p>
-            <a:r>
-              <a:rPr lang="en-US" altLang="zh-TW" dirty="0"/>
-              <a:t>https://www.physionet.org/physiobank/database/mitdb</a:t>
-            </a:r>
-            <a:r>
-              <a:rPr lang="en-US" altLang="zh-TW" dirty="0" smtClean="0"/>
-              <a:t>/</a:t>
-            </a:r>
-          </a:p>
-          <a:p>
-            <a:endParaRPr lang="en-US" altLang="zh-TW" dirty="0"/>
-          </a:p>
-          <a:p>
-            <a:endParaRPr lang="zh-TW" altLang="en-US" dirty="0"/>
-          </a:p>
-        </p:txBody>
-      </p:sp>
-    </p:spTree>
-    <p:extLst>
-      <p:ext uri="{BB962C8B-B14F-4D97-AF65-F5344CB8AC3E}">
-        <p14:creationId xmlns:p14="http://schemas.microsoft.com/office/powerpoint/2010/main" val="988784398"/>
-      </p:ext>
-    </p:extLst>
-  </p:cSld>
-  <p:clrMapOvr>
-    <a:masterClrMapping/>
-  </p:clrMapOvr>
-  <p:timing>
-    <p:tnLst>
-      <p:par>
-        <p:cTn id="1" dur="indefinite" restart="never" nodeType="tmRoot"/>
-      </p:par>
-    </p:tnLst>
-  </p:timing>
 </p:sld>
 </file>
 
@@ -4773,12 +5288,8 @@
           <a:lstStyle/>
           <a:p>
             <a:r>
-              <a:rPr lang="zh-TW" altLang="en-US" dirty="0"/>
-              <a:t>量</a:t>
-            </a:r>
-            <a:r>
-              <a:rPr lang="zh-TW" altLang="en-US" dirty="0" smtClean="0"/>
-              <a:t>測的限制</a:t>
+              <a:rPr lang="en-US" altLang="zh-TW" dirty="0"/>
+              <a:t>MIT-BIH Arrhythmia Database</a:t>
             </a:r>
             <a:endParaRPr lang="zh-TW" altLang="en-US" dirty="0"/>
           </a:p>
@@ -4800,70 +5311,12 @@
           <a:lstStyle/>
           <a:p>
             <a:r>
-              <a:rPr lang="zh-TW" altLang="en-US" dirty="0" smtClean="0"/>
-              <a:t>受限於訊號之物理化學特性</a:t>
-            </a:r>
-            <a:endParaRPr lang="en-US" altLang="zh-TW" dirty="0" smtClean="0"/>
-          </a:p>
-          <a:p>
-            <a:pPr lvl="1"/>
-            <a:r>
-              <a:rPr lang="zh-TW" altLang="en-US" dirty="0" smtClean="0"/>
-              <a:t>訊號強度、雜訊影響、訊號</a:t>
-            </a:r>
-            <a:r>
-              <a:rPr lang="zh-TW" altLang="en-US" dirty="0"/>
-              <a:t>變化</a:t>
-            </a:r>
-            <a:r>
-              <a:rPr lang="zh-TW" altLang="en-US" dirty="0" smtClean="0"/>
-              <a:t>速率</a:t>
-            </a:r>
-            <a:r>
-              <a:rPr lang="en-US" altLang="zh-TW" dirty="0" smtClean="0"/>
-              <a:t>(</a:t>
-            </a:r>
-            <a:r>
-              <a:rPr lang="zh-TW" altLang="en-US" dirty="0" smtClean="0"/>
-              <a:t>取樣頻率</a:t>
-            </a:r>
-            <a:r>
-              <a:rPr lang="en-US" altLang="zh-TW" dirty="0" smtClean="0"/>
-              <a:t>)</a:t>
-            </a:r>
-          </a:p>
-          <a:p>
-            <a:endParaRPr lang="en-US" altLang="zh-TW" dirty="0" smtClean="0"/>
-          </a:p>
-          <a:p>
-            <a:r>
-              <a:rPr lang="zh-TW" altLang="en-US" dirty="0" smtClean="0"/>
-              <a:t>現有科技工業所能提供之產品</a:t>
-            </a:r>
-            <a:endParaRPr lang="en-US" altLang="zh-TW" dirty="0" smtClean="0"/>
-          </a:p>
-          <a:p>
-            <a:pPr lvl="1"/>
-            <a:r>
-              <a:rPr lang="en-US" altLang="zh-TW" dirty="0" smtClean="0"/>
-              <a:t>sensor</a:t>
-            </a:r>
-            <a:r>
-              <a:rPr lang="zh-TW" altLang="en-US" dirty="0" smtClean="0"/>
-              <a:t>、放大器、</a:t>
-            </a:r>
-            <a:r>
-              <a:rPr lang="en-US" altLang="zh-TW" dirty="0" smtClean="0"/>
-              <a:t>AD</a:t>
-            </a:r>
-            <a:r>
-              <a:rPr lang="zh-TW" altLang="en-US" dirty="0" smtClean="0"/>
-              <a:t> </a:t>
-            </a:r>
-            <a:r>
-              <a:rPr lang="en-US" altLang="zh-TW" dirty="0" smtClean="0"/>
-              <a:t>converter</a:t>
-            </a:r>
+              <a:rPr lang="en-US" altLang="zh-TW" dirty="0"/>
+              <a:t>https://www.physionet.org/physiobank/database/mitdb/</a:t>
+            </a:r>
+          </a:p>
+          <a:p>
+            <a:endParaRPr lang="en-US" altLang="zh-TW" dirty="0"/>
           </a:p>
           <a:p>
             <a:endParaRPr lang="zh-TW" altLang="en-US" dirty="0"/>
@@ -4873,20 +5326,13 @@
     </p:spTree>
     <p:extLst>
       <p:ext uri="{BB962C8B-B14F-4D97-AF65-F5344CB8AC3E}">
-        <p14:creationId xmlns:p14="http://schemas.microsoft.com/office/powerpoint/2010/main" val="533219560"/>
+        <p14:creationId xmlns:p14="http://schemas.microsoft.com/office/powerpoint/2010/main" val="988784398"/>
       </p:ext>
     </p:extLst>
   </p:cSld>
   <p:clrMapOvr>
     <a:masterClrMapping/>
   </p:clrMapOvr>
-  <p:timing>
-    <p:tnLst>
-      <p:par>
-        <p:cTn id="1" dur="indefinite" restart="never" nodeType="tmRoot"/>
-      </p:par>
-    </p:tnLst>
-  </p:timing>
 </p:sld>
 </file>
 
